--- a/Angular Traning Data/presentation/01-03 Angular JS v 3.0.pptx
+++ b/Angular Traning Data/presentation/01-03 Angular JS v 3.0.pptx
@@ -11,7 +11,7 @@
     <p:handoutMasterId r:id="rId62"/>
   </p:handoutMasterIdLst>
   <p:sldIdLst>
-    <p:sldId id="313" r:id="rId2"/>
+    <p:sldId id="463" r:id="rId2"/>
     <p:sldId id="383" r:id="rId3"/>
     <p:sldId id="384" r:id="rId4"/>
     <p:sldId id="385" r:id="rId5"/>
@@ -3558,6 +3558,13 @@
         </dgm:presLayoutVars>
       </dgm:prSet>
       <dgm:spPr/>
+      <dgm:t>
+        <a:bodyPr/>
+        <a:lstStyle/>
+        <a:p>
+          <a:endParaRPr lang="en-US"/>
+        </a:p>
+      </dgm:t>
     </dgm:pt>
     <dgm:pt modelId="{78A48B18-896B-4867-9BF8-60F7F1A90A5B}" type="pres">
       <dgm:prSet presAssocID="{E82B88BB-2202-4793-9085-59FF497A4838}" presName="compositeNode" presStyleCnt="0">
@@ -3570,6 +3577,13 @@
     <dgm:pt modelId="{F360ADE5-A84D-4A13-803E-E3D4423E4AC7}" type="pres">
       <dgm:prSet presAssocID="{E82B88BB-2202-4793-9085-59FF497A4838}" presName="bgRect" presStyleLbl="bgAccFollowNode1" presStyleIdx="0" presStyleCnt="3"/>
       <dgm:spPr/>
+      <dgm:t>
+        <a:bodyPr/>
+        <a:lstStyle/>
+        <a:p>
+          <a:endParaRPr lang="en-US"/>
+        </a:p>
+      </dgm:t>
     </dgm:pt>
     <dgm:pt modelId="{1F812508-F60B-4811-B082-C251D91ADECC}" type="pres">
       <dgm:prSet presAssocID="{D30FC7F9-F1AA-4868-A934-CDC8E74FFC9C}" presName="sibTransNodeCircle" presStyleLbl="alignNode1" presStyleIdx="0" presStyleCnt="6">
@@ -3579,6 +3593,13 @@
         </dgm:presLayoutVars>
       </dgm:prSet>
       <dgm:spPr/>
+      <dgm:t>
+        <a:bodyPr/>
+        <a:lstStyle/>
+        <a:p>
+          <a:endParaRPr lang="en-US"/>
+        </a:p>
+      </dgm:t>
     </dgm:pt>
     <dgm:pt modelId="{744597BD-D0C9-4DA2-90B8-815261858E98}" type="pres">
       <dgm:prSet presAssocID="{E82B88BB-2202-4793-9085-59FF497A4838}" presName="bottomLine" presStyleLbl="alignNode1" presStyleIdx="1" presStyleCnt="6">
@@ -3593,6 +3614,13 @@
         </dgm:presLayoutVars>
       </dgm:prSet>
       <dgm:spPr/>
+      <dgm:t>
+        <a:bodyPr/>
+        <a:lstStyle/>
+        <a:p>
+          <a:endParaRPr lang="en-US"/>
+        </a:p>
+      </dgm:t>
     </dgm:pt>
     <dgm:pt modelId="{C69E6B7A-1465-4C23-B1B1-B3547EB4ECA6}" type="pres">
       <dgm:prSet presAssocID="{D30FC7F9-F1AA-4868-A934-CDC8E74FFC9C}" presName="sibTrans" presStyleCnt="0"/>
@@ -3609,6 +3637,13 @@
     <dgm:pt modelId="{5AD1D428-9D1C-4026-85A0-74982E91D4C2}" type="pres">
       <dgm:prSet presAssocID="{FDB1BC58-3CA7-451A-A595-1F332A8963BD}" presName="bgRect" presStyleLbl="bgAccFollowNode1" presStyleIdx="1" presStyleCnt="3"/>
       <dgm:spPr/>
+      <dgm:t>
+        <a:bodyPr/>
+        <a:lstStyle/>
+        <a:p>
+          <a:endParaRPr lang="en-US"/>
+        </a:p>
+      </dgm:t>
     </dgm:pt>
     <dgm:pt modelId="{A574357E-4EC1-4851-AA0F-211985065F50}" type="pres">
       <dgm:prSet presAssocID="{F1427924-9647-435C-9FA6-045F80CAC172}" presName="sibTransNodeCircle" presStyleLbl="alignNode1" presStyleIdx="2" presStyleCnt="6">
@@ -3618,6 +3653,13 @@
         </dgm:presLayoutVars>
       </dgm:prSet>
       <dgm:spPr/>
+      <dgm:t>
+        <a:bodyPr/>
+        <a:lstStyle/>
+        <a:p>
+          <a:endParaRPr lang="en-US"/>
+        </a:p>
+      </dgm:t>
     </dgm:pt>
     <dgm:pt modelId="{F31E15A4-E03D-468D-8B2C-F9B51A7CA984}" type="pres">
       <dgm:prSet presAssocID="{FDB1BC58-3CA7-451A-A595-1F332A8963BD}" presName="bottomLine" presStyleLbl="alignNode1" presStyleIdx="3" presStyleCnt="6">
@@ -3632,6 +3674,13 @@
         </dgm:presLayoutVars>
       </dgm:prSet>
       <dgm:spPr/>
+      <dgm:t>
+        <a:bodyPr/>
+        <a:lstStyle/>
+        <a:p>
+          <a:endParaRPr lang="en-US"/>
+        </a:p>
+      </dgm:t>
     </dgm:pt>
     <dgm:pt modelId="{B0A2F7FE-49B4-4B3D-BCF0-521A836A7F9F}" type="pres">
       <dgm:prSet presAssocID="{F1427924-9647-435C-9FA6-045F80CAC172}" presName="sibTrans" presStyleCnt="0"/>
@@ -3648,6 +3697,13 @@
     <dgm:pt modelId="{8926BB06-35A8-4819-8EE0-C8A78CB209D7}" type="pres">
       <dgm:prSet presAssocID="{18C8C0D5-D772-43C3-9A8E-25AD1006AAE0}" presName="bgRect" presStyleLbl="bgAccFollowNode1" presStyleIdx="2" presStyleCnt="3"/>
       <dgm:spPr/>
+      <dgm:t>
+        <a:bodyPr/>
+        <a:lstStyle/>
+        <a:p>
+          <a:endParaRPr lang="en-US"/>
+        </a:p>
+      </dgm:t>
     </dgm:pt>
     <dgm:pt modelId="{ACBFADAB-4B7B-4461-B16B-B0C6A4E40580}" type="pres">
       <dgm:prSet presAssocID="{6835EBBC-1B79-49AF-829E-7FB0010A1672}" presName="sibTransNodeCircle" presStyleLbl="alignNode1" presStyleIdx="4" presStyleCnt="6">
@@ -3657,6 +3713,13 @@
         </dgm:presLayoutVars>
       </dgm:prSet>
       <dgm:spPr/>
+      <dgm:t>
+        <a:bodyPr/>
+        <a:lstStyle/>
+        <a:p>
+          <a:endParaRPr lang="en-US"/>
+        </a:p>
+      </dgm:t>
     </dgm:pt>
     <dgm:pt modelId="{E3A2AAAA-3DB8-4BB3-B6F1-4FF3EA4F9B0B}" type="pres">
       <dgm:prSet presAssocID="{18C8C0D5-D772-43C3-9A8E-25AD1006AAE0}" presName="bottomLine" presStyleLbl="alignNode1" presStyleIdx="5" presStyleCnt="6">
@@ -3671,22 +3734,29 @@
         </dgm:presLayoutVars>
       </dgm:prSet>
       <dgm:spPr/>
+      <dgm:t>
+        <a:bodyPr/>
+        <a:lstStyle/>
+        <a:p>
+          <a:endParaRPr lang="en-US"/>
+        </a:p>
+      </dgm:t>
     </dgm:pt>
   </dgm:ptLst>
   <dgm:cxnLst>
+    <dgm:cxn modelId="{7B9D9AC0-9E81-48CE-B62C-1EDE3038C1DE}" srcId="{A0D06F87-1BFA-48B3-B8FC-B49B621EEA74}" destId="{FDB1BC58-3CA7-451A-A595-1F332A8963BD}" srcOrd="1" destOrd="0" parTransId="{08BA319C-151A-4624-92D5-197DFB3BEF14}" sibTransId="{F1427924-9647-435C-9FA6-045F80CAC172}"/>
+    <dgm:cxn modelId="{A089A348-0D2E-4868-9680-B5A23650562A}" type="presOf" srcId="{F1427924-9647-435C-9FA6-045F80CAC172}" destId="{A574357E-4EC1-4851-AA0F-211985065F50}" srcOrd="0" destOrd="0" presId="urn:microsoft.com/office/officeart/2016/7/layout/BasicLinearProcessNumbered"/>
+    <dgm:cxn modelId="{64EF2911-083D-46B9-9858-49E81FF91CE8}" type="presOf" srcId="{E82B88BB-2202-4793-9085-59FF497A4838}" destId="{9AA29C5F-7D48-4E40-B45A-8D31F187C438}" srcOrd="1" destOrd="0" presId="urn:microsoft.com/office/officeart/2016/7/layout/BasicLinearProcessNumbered"/>
+    <dgm:cxn modelId="{D86C1710-A791-4C3F-8751-5120CB0AABDA}" type="presOf" srcId="{A0D06F87-1BFA-48B3-B8FC-B49B621EEA74}" destId="{0F377885-08B6-4B87-B249-433CCF4611D7}" srcOrd="0" destOrd="0" presId="urn:microsoft.com/office/officeart/2016/7/layout/BasicLinearProcessNumbered"/>
     <dgm:cxn modelId="{2B3A9D04-3BE2-4C54-BF2D-0B3B977B1D96}" type="presOf" srcId="{18C8C0D5-D772-43C3-9A8E-25AD1006AAE0}" destId="{A3313043-5AED-4210-B57F-FDA53D2DEB8E}" srcOrd="1" destOrd="0" presId="urn:microsoft.com/office/officeart/2016/7/layout/BasicLinearProcessNumbered"/>
+    <dgm:cxn modelId="{7D7F8BB5-E52B-478A-83F6-B5A67D807868}" srcId="{A0D06F87-1BFA-48B3-B8FC-B49B621EEA74}" destId="{18C8C0D5-D772-43C3-9A8E-25AD1006AAE0}" srcOrd="2" destOrd="0" parTransId="{8CB2457A-4003-4308-AD3F-69EDDD5CE6EF}" sibTransId="{6835EBBC-1B79-49AF-829E-7FB0010A1672}"/>
+    <dgm:cxn modelId="{FD396375-BC4A-4671-90B7-49919DCF7FEC}" type="presOf" srcId="{E82B88BB-2202-4793-9085-59FF497A4838}" destId="{F360ADE5-A84D-4A13-803E-E3D4423E4AC7}" srcOrd="0" destOrd="0" presId="urn:microsoft.com/office/officeart/2016/7/layout/BasicLinearProcessNumbered"/>
+    <dgm:cxn modelId="{C402D9F9-35C1-4278-BA2E-83237E5A25BA}" type="presOf" srcId="{FDB1BC58-3CA7-451A-A595-1F332A8963BD}" destId="{974233B5-EDBB-40EB-BD1C-B18C244E546C}" srcOrd="1" destOrd="0" presId="urn:microsoft.com/office/officeart/2016/7/layout/BasicLinearProcessNumbered"/>
+    <dgm:cxn modelId="{D4D7C2B1-F04C-403B-8832-ACFEC153F444}" type="presOf" srcId="{18C8C0D5-D772-43C3-9A8E-25AD1006AAE0}" destId="{8926BB06-35A8-4819-8EE0-C8A78CB209D7}" srcOrd="0" destOrd="0" presId="urn:microsoft.com/office/officeart/2016/7/layout/BasicLinearProcessNumbered"/>
+    <dgm:cxn modelId="{751E5822-8F54-49A8-AD16-DB758D3B866E}" type="presOf" srcId="{FDB1BC58-3CA7-451A-A595-1F332A8963BD}" destId="{5AD1D428-9D1C-4026-85A0-74982E91D4C2}" srcOrd="0" destOrd="0" presId="urn:microsoft.com/office/officeart/2016/7/layout/BasicLinearProcessNumbered"/>
     <dgm:cxn modelId="{FB9EA20D-F7B1-45EF-AED6-12DE0ECC49E1}" type="presOf" srcId="{6835EBBC-1B79-49AF-829E-7FB0010A1672}" destId="{ACBFADAB-4B7B-4461-B16B-B0C6A4E40580}" srcOrd="0" destOrd="0" presId="urn:microsoft.com/office/officeart/2016/7/layout/BasicLinearProcessNumbered"/>
-    <dgm:cxn modelId="{D86C1710-A791-4C3F-8751-5120CB0AABDA}" type="presOf" srcId="{A0D06F87-1BFA-48B3-B8FC-B49B621EEA74}" destId="{0F377885-08B6-4B87-B249-433CCF4611D7}" srcOrd="0" destOrd="0" presId="urn:microsoft.com/office/officeart/2016/7/layout/BasicLinearProcessNumbered"/>
-    <dgm:cxn modelId="{64EF2911-083D-46B9-9858-49E81FF91CE8}" type="presOf" srcId="{E82B88BB-2202-4793-9085-59FF497A4838}" destId="{9AA29C5F-7D48-4E40-B45A-8D31F187C438}" srcOrd="1" destOrd="0" presId="urn:microsoft.com/office/officeart/2016/7/layout/BasicLinearProcessNumbered"/>
-    <dgm:cxn modelId="{751E5822-8F54-49A8-AD16-DB758D3B866E}" type="presOf" srcId="{FDB1BC58-3CA7-451A-A595-1F332A8963BD}" destId="{5AD1D428-9D1C-4026-85A0-74982E91D4C2}" srcOrd="0" destOrd="0" presId="urn:microsoft.com/office/officeart/2016/7/layout/BasicLinearProcessNumbered"/>
     <dgm:cxn modelId="{2A7A9432-1A85-4EC9-9ED1-4B9DD3E32478}" type="presOf" srcId="{D30FC7F9-F1AA-4868-A934-CDC8E74FFC9C}" destId="{1F812508-F60B-4811-B082-C251D91ADECC}" srcOrd="0" destOrd="0" presId="urn:microsoft.com/office/officeart/2016/7/layout/BasicLinearProcessNumbered"/>
     <dgm:cxn modelId="{BCC8155F-3C02-4A25-8D67-F4C19B435264}" srcId="{A0D06F87-1BFA-48B3-B8FC-B49B621EEA74}" destId="{E82B88BB-2202-4793-9085-59FF497A4838}" srcOrd="0" destOrd="0" parTransId="{CD78BC3F-0CFD-46B2-95F3-EC59A99FDBEC}" sibTransId="{D30FC7F9-F1AA-4868-A934-CDC8E74FFC9C}"/>
-    <dgm:cxn modelId="{A089A348-0D2E-4868-9680-B5A23650562A}" type="presOf" srcId="{F1427924-9647-435C-9FA6-045F80CAC172}" destId="{A574357E-4EC1-4851-AA0F-211985065F50}" srcOrd="0" destOrd="0" presId="urn:microsoft.com/office/officeart/2016/7/layout/BasicLinearProcessNumbered"/>
-    <dgm:cxn modelId="{FD396375-BC4A-4671-90B7-49919DCF7FEC}" type="presOf" srcId="{E82B88BB-2202-4793-9085-59FF497A4838}" destId="{F360ADE5-A84D-4A13-803E-E3D4423E4AC7}" srcOrd="0" destOrd="0" presId="urn:microsoft.com/office/officeart/2016/7/layout/BasicLinearProcessNumbered"/>
-    <dgm:cxn modelId="{D4D7C2B1-F04C-403B-8832-ACFEC153F444}" type="presOf" srcId="{18C8C0D5-D772-43C3-9A8E-25AD1006AAE0}" destId="{8926BB06-35A8-4819-8EE0-C8A78CB209D7}" srcOrd="0" destOrd="0" presId="urn:microsoft.com/office/officeart/2016/7/layout/BasicLinearProcessNumbered"/>
-    <dgm:cxn modelId="{7D7F8BB5-E52B-478A-83F6-B5A67D807868}" srcId="{A0D06F87-1BFA-48B3-B8FC-B49B621EEA74}" destId="{18C8C0D5-D772-43C3-9A8E-25AD1006AAE0}" srcOrd="2" destOrd="0" parTransId="{8CB2457A-4003-4308-AD3F-69EDDD5CE6EF}" sibTransId="{6835EBBC-1B79-49AF-829E-7FB0010A1672}"/>
-    <dgm:cxn modelId="{7B9D9AC0-9E81-48CE-B62C-1EDE3038C1DE}" srcId="{A0D06F87-1BFA-48B3-B8FC-B49B621EEA74}" destId="{FDB1BC58-3CA7-451A-A595-1F332A8963BD}" srcOrd="1" destOrd="0" parTransId="{08BA319C-151A-4624-92D5-197DFB3BEF14}" sibTransId="{F1427924-9647-435C-9FA6-045F80CAC172}"/>
-    <dgm:cxn modelId="{C402D9F9-35C1-4278-BA2E-83237E5A25BA}" type="presOf" srcId="{FDB1BC58-3CA7-451A-A595-1F332A8963BD}" destId="{974233B5-EDBB-40EB-BD1C-B18C244E546C}" srcOrd="1" destOrd="0" presId="urn:microsoft.com/office/officeart/2016/7/layout/BasicLinearProcessNumbered"/>
     <dgm:cxn modelId="{AAE67032-2086-4454-B956-909815C28090}" type="presParOf" srcId="{0F377885-08B6-4B87-B249-433CCF4611D7}" destId="{78A48B18-896B-4867-9BF8-60F7F1A90A5B}" srcOrd="0" destOrd="0" presId="urn:microsoft.com/office/officeart/2016/7/layout/BasicLinearProcessNumbered"/>
     <dgm:cxn modelId="{D725AADD-D78B-4DD2-983F-60800B6FC58C}" type="presParOf" srcId="{78A48B18-896B-4867-9BF8-60F7F1A90A5B}" destId="{F360ADE5-A84D-4A13-803E-E3D4423E4AC7}" srcOrd="0" destOrd="0" presId="urn:microsoft.com/office/officeart/2016/7/layout/BasicLinearProcessNumbered"/>
     <dgm:cxn modelId="{09F3390A-9C0E-40B5-BBD2-14572DF691BF}" type="presParOf" srcId="{78A48B18-896B-4867-9BF8-60F7F1A90A5B}" destId="{1F812508-F60B-4811-B082-C251D91ADECC}" srcOrd="1" destOrd="0" presId="urn:microsoft.com/office/officeart/2016/7/layout/BasicLinearProcessNumbered"/>
@@ -4077,6 +4147,13 @@
         </dgm:presLayoutVars>
       </dgm:prSet>
       <dgm:spPr/>
+      <dgm:t>
+        <a:bodyPr/>
+        <a:lstStyle/>
+        <a:p>
+          <a:endParaRPr lang="en-US"/>
+        </a:p>
+      </dgm:t>
     </dgm:pt>
     <dgm:pt modelId="{45F57F92-5547-45A7-A934-5A8B91B18C77}" type="pres">
       <dgm:prSet presAssocID="{249746CD-B64C-4ABF-A766-1991A0FD7E27}" presName="composite" presStyleCnt="0"/>
@@ -4091,6 +4168,13 @@
         </dgm:presLayoutVars>
       </dgm:prSet>
       <dgm:spPr/>
+      <dgm:t>
+        <a:bodyPr/>
+        <a:lstStyle/>
+        <a:p>
+          <a:endParaRPr lang="en-US"/>
+        </a:p>
+      </dgm:t>
     </dgm:pt>
     <dgm:pt modelId="{377498FC-BD4E-484E-816A-0BA770791984}" type="pres">
       <dgm:prSet presAssocID="{249746CD-B64C-4ABF-A766-1991A0FD7E27}" presName="desTx" presStyleLbl="alignAccFollowNode1" presStyleIdx="0" presStyleCnt="2">
@@ -4099,6 +4183,13 @@
         </dgm:presLayoutVars>
       </dgm:prSet>
       <dgm:spPr/>
+      <dgm:t>
+        <a:bodyPr/>
+        <a:lstStyle/>
+        <a:p>
+          <a:endParaRPr lang="en-US"/>
+        </a:p>
+      </dgm:t>
     </dgm:pt>
     <dgm:pt modelId="{8923D5D7-25C0-4408-B5D1-BDD58B31F262}" type="pres">
       <dgm:prSet presAssocID="{B2A17428-4457-46CB-B626-EE398463663C}" presName="space" presStyleCnt="0"/>
@@ -4117,6 +4208,13 @@
         </dgm:presLayoutVars>
       </dgm:prSet>
       <dgm:spPr/>
+      <dgm:t>
+        <a:bodyPr/>
+        <a:lstStyle/>
+        <a:p>
+          <a:endParaRPr lang="en-US"/>
+        </a:p>
+      </dgm:t>
     </dgm:pt>
     <dgm:pt modelId="{8BC15E28-249E-481B-B761-59F02D0B8CEE}" type="pres">
       <dgm:prSet presAssocID="{0AB9B4DB-5704-4FF8-B082-39411C8876A3}" presName="desTx" presStyleLbl="alignAccFollowNode1" presStyleIdx="1" presStyleCnt="2">
@@ -4125,28 +4223,35 @@
         </dgm:presLayoutVars>
       </dgm:prSet>
       <dgm:spPr/>
+      <dgm:t>
+        <a:bodyPr/>
+        <a:lstStyle/>
+        <a:p>
+          <a:endParaRPr lang="en-US"/>
+        </a:p>
+      </dgm:t>
     </dgm:pt>
   </dgm:ptLst>
   <dgm:cxnLst>
+    <dgm:cxn modelId="{7605FB5F-F5D7-46CD-95A4-D044FA490817}" type="presOf" srcId="{B984882A-7838-46E3-8544-1E9131227D43}" destId="{377498FC-BD4E-484E-816A-0BA770791984}" srcOrd="0" destOrd="2" presId="urn:microsoft.com/office/officeart/2005/8/layout/hList1"/>
+    <dgm:cxn modelId="{7044146D-F24D-46A4-8C5E-7BCDB473B74F}" type="presOf" srcId="{F8A56992-87E8-4422-8C63-AA194CE98C80}" destId="{8BC15E28-249E-481B-B761-59F02D0B8CEE}" srcOrd="0" destOrd="0" presId="urn:microsoft.com/office/officeart/2005/8/layout/hList1"/>
+    <dgm:cxn modelId="{9B37D274-FAEF-4E58-AD95-049FD69B682C}" type="presOf" srcId="{249746CD-B64C-4ABF-A766-1991A0FD7E27}" destId="{9DC95650-EF1E-43EE-A837-037A35779521}" srcOrd="0" destOrd="0" presId="urn:microsoft.com/office/officeart/2005/8/layout/hList1"/>
+    <dgm:cxn modelId="{0ABC7C3C-3D19-461B-9E92-934270FE41B1}" srcId="{8FA98980-D60B-4546-AA6A-95141F3EF4AB}" destId="{0AB9B4DB-5704-4FF8-B082-39411C8876A3}" srcOrd="1" destOrd="0" parTransId="{A1EC3980-3C64-4378-ACD5-4BF1361AD035}" sibTransId="{B568BB83-08CF-49DA-9E89-2BBE0F6D63E9}"/>
+    <dgm:cxn modelId="{0598A44D-85C4-4888-AC28-E169DE2132E1}" type="presOf" srcId="{197B1B5B-8FBA-44A9-B5ED-7DA8A0DEFDE9}" destId="{8BC15E28-249E-481B-B761-59F02D0B8CEE}" srcOrd="0" destOrd="1" presId="urn:microsoft.com/office/officeart/2005/8/layout/hList1"/>
+    <dgm:cxn modelId="{F3C950C6-3432-4476-A973-6C479E27D383}" srcId="{249746CD-B64C-4ABF-A766-1991A0FD7E27}" destId="{EEDDC9F0-D0FF-405F-A7D8-7B94B520DA18}" srcOrd="1" destOrd="0" parTransId="{249952B6-52E9-4E40-8C23-929CD3FC542F}" sibTransId="{D1CE8F50-9419-434F-9A04-769427E7C758}"/>
+    <dgm:cxn modelId="{D39C9EC3-DFBC-44B1-9DC2-BF3410DA68D6}" srcId="{8FA98980-D60B-4546-AA6A-95141F3EF4AB}" destId="{249746CD-B64C-4ABF-A766-1991A0FD7E27}" srcOrd="0" destOrd="0" parTransId="{37A46A17-2625-4B71-B94D-F8EC61F1A173}" sibTransId="{B2A17428-4457-46CB-B626-EE398463663C}"/>
+    <dgm:cxn modelId="{9F6AE173-76A4-4194-8981-486A57011298}" type="presOf" srcId="{0AB9B4DB-5704-4FF8-B082-39411C8876A3}" destId="{61673C39-2623-40D8-AAFE-82999E57E539}" srcOrd="0" destOrd="0" presId="urn:microsoft.com/office/officeart/2005/8/layout/hList1"/>
+    <dgm:cxn modelId="{2E3C9842-3257-4BAB-B66C-5989C1EFEF9A}" srcId="{0AB9B4DB-5704-4FF8-B082-39411C8876A3}" destId="{197B1B5B-8FBA-44A9-B5ED-7DA8A0DEFDE9}" srcOrd="1" destOrd="0" parTransId="{CC603F59-E9EE-4F63-89C0-49043C49EB0B}" sibTransId="{CBB18E59-17BC-485A-8BD1-AAFCEECDCC2F}"/>
+    <dgm:cxn modelId="{B98180FD-E0E8-47B1-B34D-125A7BD6C612}" srcId="{249746CD-B64C-4ABF-A766-1991A0FD7E27}" destId="{451907B5-D61E-4F3C-84A0-CBF9E6C8B6FF}" srcOrd="0" destOrd="0" parTransId="{38B88247-C8FB-4015-BC9A-61B87AA348B6}" sibTransId="{4AD55314-9E6D-4AE1-BA28-5F2772EF54FA}"/>
+    <dgm:cxn modelId="{6E5D3CE0-5491-42A8-8E47-1FB6BF43757E}" type="presOf" srcId="{451907B5-D61E-4F3C-84A0-CBF9E6C8B6FF}" destId="{377498FC-BD4E-484E-816A-0BA770791984}" srcOrd="0" destOrd="0" presId="urn:microsoft.com/office/officeart/2005/8/layout/hList1"/>
+    <dgm:cxn modelId="{3E1CB95E-821F-4F3E-8F11-DF4162E16A47}" type="presOf" srcId="{8FA98980-D60B-4546-AA6A-95141F3EF4AB}" destId="{788637CE-E86F-41DF-9F00-98A9F4411FFD}" srcOrd="0" destOrd="0" presId="urn:microsoft.com/office/officeart/2005/8/layout/hList1"/>
+    <dgm:cxn modelId="{CB0259E7-BDAB-4F2F-9970-AD0348DCADEF}" srcId="{0AB9B4DB-5704-4FF8-B082-39411C8876A3}" destId="{D3798BAC-1311-4C66-A152-A3D42C4FFCE4}" srcOrd="2" destOrd="0" parTransId="{290A4262-C478-45F2-AB52-A943C45C4C33}" sibTransId="{1BC76161-6F70-418A-A23F-CC1CC9DA2644}"/>
+    <dgm:cxn modelId="{52545D97-24BD-448E-8F08-E1060781E2AA}" srcId="{0AB9B4DB-5704-4FF8-B082-39411C8876A3}" destId="{4CBEA968-A4B5-49D1-909D-96DB05765059}" srcOrd="3" destOrd="0" parTransId="{2F2C8C49-5861-4E2A-B77B-D12582B7AE40}" sibTransId="{AB7511C9-42DE-49A8-BF3F-DBCF110497F6}"/>
+    <dgm:cxn modelId="{28F0ACD5-1C73-4664-B15C-03AFF3B4F35A}" srcId="{249746CD-B64C-4ABF-A766-1991A0FD7E27}" destId="{B984882A-7838-46E3-8544-1E9131227D43}" srcOrd="2" destOrd="0" parTransId="{76D1F485-347C-46E6-AB0C-A7372023559A}" sibTransId="{0F58EA83-E351-4DED-B7EF-B54EDCA04384}"/>
+    <dgm:cxn modelId="{3F1653EA-4005-4DEA-88C4-A80BBECB3FDA}" type="presOf" srcId="{D3798BAC-1311-4C66-A152-A3D42C4FFCE4}" destId="{8BC15E28-249E-481B-B761-59F02D0B8CEE}" srcOrd="0" destOrd="2" presId="urn:microsoft.com/office/officeart/2005/8/layout/hList1"/>
+    <dgm:cxn modelId="{A1C793B4-DA81-4B59-BF08-DD5B6C0A6158}" type="presOf" srcId="{EEDDC9F0-D0FF-405F-A7D8-7B94B520DA18}" destId="{377498FC-BD4E-484E-816A-0BA770791984}" srcOrd="0" destOrd="1" presId="urn:microsoft.com/office/officeart/2005/8/layout/hList1"/>
+    <dgm:cxn modelId="{4E18295B-9127-4765-9DE7-3EBA52044CF1}" srcId="{0AB9B4DB-5704-4FF8-B082-39411C8876A3}" destId="{F8A56992-87E8-4422-8C63-AA194CE98C80}" srcOrd="0" destOrd="0" parTransId="{1F125B6C-E5C5-46E3-BA3B-27ED5171A579}" sibTransId="{39C6316C-37E9-432D-9087-17D647D0BE9F}"/>
     <dgm:cxn modelId="{E29ED408-E6CA-4733-A78A-4EF7CBCAC142}" type="presOf" srcId="{4CBEA968-A4B5-49D1-909D-96DB05765059}" destId="{8BC15E28-249E-481B-B761-59F02D0B8CEE}" srcOrd="0" destOrd="3" presId="urn:microsoft.com/office/officeart/2005/8/layout/hList1"/>
-    <dgm:cxn modelId="{0ABC7C3C-3D19-461B-9E92-934270FE41B1}" srcId="{8FA98980-D60B-4546-AA6A-95141F3EF4AB}" destId="{0AB9B4DB-5704-4FF8-B082-39411C8876A3}" srcOrd="1" destOrd="0" parTransId="{A1EC3980-3C64-4378-ACD5-4BF1361AD035}" sibTransId="{B568BB83-08CF-49DA-9E89-2BBE0F6D63E9}"/>
-    <dgm:cxn modelId="{4E18295B-9127-4765-9DE7-3EBA52044CF1}" srcId="{0AB9B4DB-5704-4FF8-B082-39411C8876A3}" destId="{F8A56992-87E8-4422-8C63-AA194CE98C80}" srcOrd="0" destOrd="0" parTransId="{1F125B6C-E5C5-46E3-BA3B-27ED5171A579}" sibTransId="{39C6316C-37E9-432D-9087-17D647D0BE9F}"/>
-    <dgm:cxn modelId="{3E1CB95E-821F-4F3E-8F11-DF4162E16A47}" type="presOf" srcId="{8FA98980-D60B-4546-AA6A-95141F3EF4AB}" destId="{788637CE-E86F-41DF-9F00-98A9F4411FFD}" srcOrd="0" destOrd="0" presId="urn:microsoft.com/office/officeart/2005/8/layout/hList1"/>
-    <dgm:cxn modelId="{7605FB5F-F5D7-46CD-95A4-D044FA490817}" type="presOf" srcId="{B984882A-7838-46E3-8544-1E9131227D43}" destId="{377498FC-BD4E-484E-816A-0BA770791984}" srcOrd="0" destOrd="2" presId="urn:microsoft.com/office/officeart/2005/8/layout/hList1"/>
-    <dgm:cxn modelId="{2E3C9842-3257-4BAB-B66C-5989C1EFEF9A}" srcId="{0AB9B4DB-5704-4FF8-B082-39411C8876A3}" destId="{197B1B5B-8FBA-44A9-B5ED-7DA8A0DEFDE9}" srcOrd="1" destOrd="0" parTransId="{CC603F59-E9EE-4F63-89C0-49043C49EB0B}" sibTransId="{CBB18E59-17BC-485A-8BD1-AAFCEECDCC2F}"/>
-    <dgm:cxn modelId="{7044146D-F24D-46A4-8C5E-7BCDB473B74F}" type="presOf" srcId="{F8A56992-87E8-4422-8C63-AA194CE98C80}" destId="{8BC15E28-249E-481B-B761-59F02D0B8CEE}" srcOrd="0" destOrd="0" presId="urn:microsoft.com/office/officeart/2005/8/layout/hList1"/>
-    <dgm:cxn modelId="{0598A44D-85C4-4888-AC28-E169DE2132E1}" type="presOf" srcId="{197B1B5B-8FBA-44A9-B5ED-7DA8A0DEFDE9}" destId="{8BC15E28-249E-481B-B761-59F02D0B8CEE}" srcOrd="0" destOrd="1" presId="urn:microsoft.com/office/officeart/2005/8/layout/hList1"/>
-    <dgm:cxn modelId="{9F6AE173-76A4-4194-8981-486A57011298}" type="presOf" srcId="{0AB9B4DB-5704-4FF8-B082-39411C8876A3}" destId="{61673C39-2623-40D8-AAFE-82999E57E539}" srcOrd="0" destOrd="0" presId="urn:microsoft.com/office/officeart/2005/8/layout/hList1"/>
-    <dgm:cxn modelId="{9B37D274-FAEF-4E58-AD95-049FD69B682C}" type="presOf" srcId="{249746CD-B64C-4ABF-A766-1991A0FD7E27}" destId="{9DC95650-EF1E-43EE-A837-037A35779521}" srcOrd="0" destOrd="0" presId="urn:microsoft.com/office/officeart/2005/8/layout/hList1"/>
-    <dgm:cxn modelId="{52545D97-24BD-448E-8F08-E1060781E2AA}" srcId="{0AB9B4DB-5704-4FF8-B082-39411C8876A3}" destId="{4CBEA968-A4B5-49D1-909D-96DB05765059}" srcOrd="3" destOrd="0" parTransId="{2F2C8C49-5861-4E2A-B77B-D12582B7AE40}" sibTransId="{AB7511C9-42DE-49A8-BF3F-DBCF110497F6}"/>
-    <dgm:cxn modelId="{A1C793B4-DA81-4B59-BF08-DD5B6C0A6158}" type="presOf" srcId="{EEDDC9F0-D0FF-405F-A7D8-7B94B520DA18}" destId="{377498FC-BD4E-484E-816A-0BA770791984}" srcOrd="0" destOrd="1" presId="urn:microsoft.com/office/officeart/2005/8/layout/hList1"/>
-    <dgm:cxn modelId="{D39C9EC3-DFBC-44B1-9DC2-BF3410DA68D6}" srcId="{8FA98980-D60B-4546-AA6A-95141F3EF4AB}" destId="{249746CD-B64C-4ABF-A766-1991A0FD7E27}" srcOrd="0" destOrd="0" parTransId="{37A46A17-2625-4B71-B94D-F8EC61F1A173}" sibTransId="{B2A17428-4457-46CB-B626-EE398463663C}"/>
-    <dgm:cxn modelId="{F3C950C6-3432-4476-A973-6C479E27D383}" srcId="{249746CD-B64C-4ABF-A766-1991A0FD7E27}" destId="{EEDDC9F0-D0FF-405F-A7D8-7B94B520DA18}" srcOrd="1" destOrd="0" parTransId="{249952B6-52E9-4E40-8C23-929CD3FC542F}" sibTransId="{D1CE8F50-9419-434F-9A04-769427E7C758}"/>
-    <dgm:cxn modelId="{28F0ACD5-1C73-4664-B15C-03AFF3B4F35A}" srcId="{249746CD-B64C-4ABF-A766-1991A0FD7E27}" destId="{B984882A-7838-46E3-8544-1E9131227D43}" srcOrd="2" destOrd="0" parTransId="{76D1F485-347C-46E6-AB0C-A7372023559A}" sibTransId="{0F58EA83-E351-4DED-B7EF-B54EDCA04384}"/>
-    <dgm:cxn modelId="{6E5D3CE0-5491-42A8-8E47-1FB6BF43757E}" type="presOf" srcId="{451907B5-D61E-4F3C-84A0-CBF9E6C8B6FF}" destId="{377498FC-BD4E-484E-816A-0BA770791984}" srcOrd="0" destOrd="0" presId="urn:microsoft.com/office/officeart/2005/8/layout/hList1"/>
-    <dgm:cxn modelId="{CB0259E7-BDAB-4F2F-9970-AD0348DCADEF}" srcId="{0AB9B4DB-5704-4FF8-B082-39411C8876A3}" destId="{D3798BAC-1311-4C66-A152-A3D42C4FFCE4}" srcOrd="2" destOrd="0" parTransId="{290A4262-C478-45F2-AB52-A943C45C4C33}" sibTransId="{1BC76161-6F70-418A-A23F-CC1CC9DA2644}"/>
-    <dgm:cxn modelId="{3F1653EA-4005-4DEA-88C4-A80BBECB3FDA}" type="presOf" srcId="{D3798BAC-1311-4C66-A152-A3D42C4FFCE4}" destId="{8BC15E28-249E-481B-B761-59F02D0B8CEE}" srcOrd="0" destOrd="2" presId="urn:microsoft.com/office/officeart/2005/8/layout/hList1"/>
-    <dgm:cxn modelId="{B98180FD-E0E8-47B1-B34D-125A7BD6C612}" srcId="{249746CD-B64C-4ABF-A766-1991A0FD7E27}" destId="{451907B5-D61E-4F3C-84A0-CBF9E6C8B6FF}" srcOrd="0" destOrd="0" parTransId="{38B88247-C8FB-4015-BC9A-61B87AA348B6}" sibTransId="{4AD55314-9E6D-4AE1-BA28-5F2772EF54FA}"/>
     <dgm:cxn modelId="{511BCBB2-135A-4DAB-AEBC-732E65F5378A}" type="presParOf" srcId="{788637CE-E86F-41DF-9F00-98A9F4411FFD}" destId="{45F57F92-5547-45A7-A934-5A8B91B18C77}" srcOrd="0" destOrd="0" presId="urn:microsoft.com/office/officeart/2005/8/layout/hList1"/>
     <dgm:cxn modelId="{5CCEAC2C-44DE-4D39-8A23-6517AAA9CABA}" type="presParOf" srcId="{45F57F92-5547-45A7-A934-5A8B91B18C77}" destId="{9DC95650-EF1E-43EE-A837-037A35779521}" srcOrd="0" destOrd="0" presId="urn:microsoft.com/office/officeart/2005/8/layout/hList1"/>
     <dgm:cxn modelId="{6C07CE4B-77BC-44B5-B27A-6F00B0B903ED}" type="presParOf" srcId="{45F57F92-5547-45A7-A934-5A8B91B18C77}" destId="{377498FC-BD4E-484E-816A-0BA770791984}" srcOrd="1" destOrd="0" presId="urn:microsoft.com/office/officeart/2005/8/layout/hList1"/>
@@ -4331,6 +4436,13 @@
         </dgm:presLayoutVars>
       </dgm:prSet>
       <dgm:spPr/>
+      <dgm:t>
+        <a:bodyPr/>
+        <a:lstStyle/>
+        <a:p>
+          <a:endParaRPr lang="en-US"/>
+        </a:p>
+      </dgm:t>
     </dgm:pt>
     <dgm:pt modelId="{F45F3204-9333-436C-931D-E3647E152550}" type="pres">
       <dgm:prSet presAssocID="{DE45FA07-F365-4271-B155-2BDF89A2F458}" presName="node" presStyleLbl="node1" presStyleIdx="0" presStyleCnt="4">
@@ -4339,6 +4451,13 @@
         </dgm:presLayoutVars>
       </dgm:prSet>
       <dgm:spPr/>
+      <dgm:t>
+        <a:bodyPr/>
+        <a:lstStyle/>
+        <a:p>
+          <a:endParaRPr lang="en-US"/>
+        </a:p>
+      </dgm:t>
     </dgm:pt>
     <dgm:pt modelId="{44B4237E-66B4-42C1-94AF-7F77C58A6490}" type="pres">
       <dgm:prSet presAssocID="{C852D005-BC88-457B-A681-43B13581FEE8}" presName="sibTrans" presStyleCnt="0"/>
@@ -4351,6 +4470,13 @@
         </dgm:presLayoutVars>
       </dgm:prSet>
       <dgm:spPr/>
+      <dgm:t>
+        <a:bodyPr/>
+        <a:lstStyle/>
+        <a:p>
+          <a:endParaRPr lang="en-US"/>
+        </a:p>
+      </dgm:t>
     </dgm:pt>
     <dgm:pt modelId="{C53BB7BC-0AA9-420C-B004-70B1F07C722A}" type="pres">
       <dgm:prSet presAssocID="{7C1BA4FB-5764-4E99-800A-7A3F80082A72}" presName="sibTrans" presStyleCnt="0"/>
@@ -4363,6 +4489,13 @@
         </dgm:presLayoutVars>
       </dgm:prSet>
       <dgm:spPr/>
+      <dgm:t>
+        <a:bodyPr/>
+        <a:lstStyle/>
+        <a:p>
+          <a:endParaRPr lang="en-US"/>
+        </a:p>
+      </dgm:t>
     </dgm:pt>
     <dgm:pt modelId="{B3059332-6BA6-4597-9090-C8A7DBA15CAA}" type="pres">
       <dgm:prSet presAssocID="{A6FC2ECD-3B24-416B-8A73-BD51D9DBEB4D}" presName="sibTrans" presStyleCnt="0"/>
@@ -4375,18 +4508,25 @@
         </dgm:presLayoutVars>
       </dgm:prSet>
       <dgm:spPr/>
+      <dgm:t>
+        <a:bodyPr/>
+        <a:lstStyle/>
+        <a:p>
+          <a:endParaRPr lang="en-US"/>
+        </a:p>
+      </dgm:t>
     </dgm:pt>
   </dgm:ptLst>
   <dgm:cxnLst>
+    <dgm:cxn modelId="{4886FB5C-F801-4DAE-BE77-90A6C6AC64C7}" type="presOf" srcId="{A9536DCA-4E7C-44D2-A5C0-A901D833BC50}" destId="{7789E8E0-828A-42A8-ACE4-68AF9C2901C7}" srcOrd="0" destOrd="0" presId="urn:microsoft.com/office/officeart/2005/8/layout/default"/>
+    <dgm:cxn modelId="{0F46EA6C-55A5-46D5-8794-28703F8C0DAA}" srcId="{F1234A36-F2AA-4E4A-8704-944E9FDF6DF7}" destId="{A9536DCA-4E7C-44D2-A5C0-A901D833BC50}" srcOrd="2" destOrd="0" parTransId="{9482D1FE-CBA5-414C-9A5F-BFECD1D592A4}" sibTransId="{A6FC2ECD-3B24-416B-8A73-BD51D9DBEB4D}"/>
+    <dgm:cxn modelId="{507DB7E5-4AAC-4B99-8B27-1F3FED319D0F}" type="presOf" srcId="{A0E012D9-190A-4F8D-BF45-BA29DF514D45}" destId="{D3ED8007-56EE-47A4-A00D-2CCD847EBA19}" srcOrd="0" destOrd="0" presId="urn:microsoft.com/office/officeart/2005/8/layout/default"/>
+    <dgm:cxn modelId="{8F8F9B9A-8F43-4362-B666-8F1D274D547F}" type="presOf" srcId="{F1234A36-F2AA-4E4A-8704-944E9FDF6DF7}" destId="{7C8411AF-2F42-413E-890E-A68535E410D1}" srcOrd="0" destOrd="0" presId="urn:microsoft.com/office/officeart/2005/8/layout/default"/>
     <dgm:cxn modelId="{8885420F-01ED-4F59-84D9-07DD917B5E68}" type="presOf" srcId="{173055E6-B2FD-49F1-832F-16B3A0698209}" destId="{19F5F24D-DA04-4D0D-B1E8-B110B0E5B38C}" srcOrd="0" destOrd="0" presId="urn:microsoft.com/office/officeart/2005/8/layout/default"/>
-    <dgm:cxn modelId="{4886FB5C-F801-4DAE-BE77-90A6C6AC64C7}" type="presOf" srcId="{A9536DCA-4E7C-44D2-A5C0-A901D833BC50}" destId="{7789E8E0-828A-42A8-ACE4-68AF9C2901C7}" srcOrd="0" destOrd="0" presId="urn:microsoft.com/office/officeart/2005/8/layout/default"/>
     <dgm:cxn modelId="{FFA1C846-8DEE-4522-971D-D3C0A522AB7F}" srcId="{F1234A36-F2AA-4E4A-8704-944E9FDF6DF7}" destId="{DE45FA07-F365-4271-B155-2BDF89A2F458}" srcOrd="0" destOrd="0" parTransId="{9195D2E5-6F77-4CC9-84D7-E9F129EB85ED}" sibTransId="{C852D005-BC88-457B-A681-43B13581FEE8}"/>
-    <dgm:cxn modelId="{0F46EA6C-55A5-46D5-8794-28703F8C0DAA}" srcId="{F1234A36-F2AA-4E4A-8704-944E9FDF6DF7}" destId="{A9536DCA-4E7C-44D2-A5C0-A901D833BC50}" srcOrd="2" destOrd="0" parTransId="{9482D1FE-CBA5-414C-9A5F-BFECD1D592A4}" sibTransId="{A6FC2ECD-3B24-416B-8A73-BD51D9DBEB4D}"/>
-    <dgm:cxn modelId="{8F8F9B9A-8F43-4362-B666-8F1D274D547F}" type="presOf" srcId="{F1234A36-F2AA-4E4A-8704-944E9FDF6DF7}" destId="{7C8411AF-2F42-413E-890E-A68535E410D1}" srcOrd="0" destOrd="0" presId="urn:microsoft.com/office/officeart/2005/8/layout/default"/>
     <dgm:cxn modelId="{7FD81AB9-D904-4764-ABF4-8E4ECD9C143A}" type="presOf" srcId="{DE45FA07-F365-4271-B155-2BDF89A2F458}" destId="{F45F3204-9333-436C-931D-E3647E152550}" srcOrd="0" destOrd="0" presId="urn:microsoft.com/office/officeart/2005/8/layout/default"/>
+    <dgm:cxn modelId="{34F128CB-ECDD-4C73-AA90-0D0B6904B8EB}" srcId="{F1234A36-F2AA-4E4A-8704-944E9FDF6DF7}" destId="{173055E6-B2FD-49F1-832F-16B3A0698209}" srcOrd="3" destOrd="0" parTransId="{18E371DA-C899-40C7-A01F-5F4FF47478CF}" sibTransId="{632554C2-D9C6-4352-A5F1-AF8CD1A3DC28}"/>
     <dgm:cxn modelId="{35696EC3-0EF4-4EC5-AF44-8BD4291BD262}" srcId="{F1234A36-F2AA-4E4A-8704-944E9FDF6DF7}" destId="{A0E012D9-190A-4F8D-BF45-BA29DF514D45}" srcOrd="1" destOrd="0" parTransId="{3F51C18E-5E2A-405C-8FFC-E4E31F7E1878}" sibTransId="{7C1BA4FB-5764-4E99-800A-7A3F80082A72}"/>
-    <dgm:cxn modelId="{34F128CB-ECDD-4C73-AA90-0D0B6904B8EB}" srcId="{F1234A36-F2AA-4E4A-8704-944E9FDF6DF7}" destId="{173055E6-B2FD-49F1-832F-16B3A0698209}" srcOrd="3" destOrd="0" parTransId="{18E371DA-C899-40C7-A01F-5F4FF47478CF}" sibTransId="{632554C2-D9C6-4352-A5F1-AF8CD1A3DC28}"/>
-    <dgm:cxn modelId="{507DB7E5-4AAC-4B99-8B27-1F3FED319D0F}" type="presOf" srcId="{A0E012D9-190A-4F8D-BF45-BA29DF514D45}" destId="{D3ED8007-56EE-47A4-A00D-2CCD847EBA19}" srcOrd="0" destOrd="0" presId="urn:microsoft.com/office/officeart/2005/8/layout/default"/>
     <dgm:cxn modelId="{46F9EFB6-6F78-44BC-9E6F-78AC0C09063C}" type="presParOf" srcId="{7C8411AF-2F42-413E-890E-A68535E410D1}" destId="{F45F3204-9333-436C-931D-E3647E152550}" srcOrd="0" destOrd="0" presId="urn:microsoft.com/office/officeart/2005/8/layout/default"/>
     <dgm:cxn modelId="{E8F7C2C7-4498-430E-B39C-5616B092C5A0}" type="presParOf" srcId="{7C8411AF-2F42-413E-890E-A68535E410D1}" destId="{44B4237E-66B4-42C1-94AF-7F77C58A6490}" srcOrd="1" destOrd="0" presId="urn:microsoft.com/office/officeart/2005/8/layout/default"/>
     <dgm:cxn modelId="{E103ED56-4D78-4B25-8681-058B8E324AE7}" type="presParOf" srcId="{7C8411AF-2F42-413E-890E-A68535E410D1}" destId="{D3ED8007-56EE-47A4-A00D-2CCD847EBA19}" srcOrd="2" destOrd="0" presId="urn:microsoft.com/office/officeart/2005/8/layout/default"/>
@@ -4535,6 +4675,13 @@
         </dgm:presLayoutVars>
       </dgm:prSet>
       <dgm:spPr/>
+      <dgm:t>
+        <a:bodyPr/>
+        <a:lstStyle/>
+        <a:p>
+          <a:endParaRPr lang="en-US"/>
+        </a:p>
+      </dgm:t>
     </dgm:pt>
     <dgm:pt modelId="{4D457231-D8DE-4C06-85EA-2746F027E1FD}" type="pres">
       <dgm:prSet presAssocID="{69FCDECF-2EEB-4106-861B-AC1AD370ABA9}" presName="node" presStyleLbl="node1" presStyleIdx="0" presStyleCnt="3">
@@ -4543,6 +4690,13 @@
         </dgm:presLayoutVars>
       </dgm:prSet>
       <dgm:spPr/>
+      <dgm:t>
+        <a:bodyPr/>
+        <a:lstStyle/>
+        <a:p>
+          <a:endParaRPr lang="en-US"/>
+        </a:p>
+      </dgm:t>
     </dgm:pt>
     <dgm:pt modelId="{23EDD300-8B63-434E-8285-F12249A561D6}" type="pres">
       <dgm:prSet presAssocID="{F16FA1E2-C4D7-44FF-BF3B-BC80302D543A}" presName="sibTrans" presStyleCnt="0"/>
@@ -4555,6 +4709,13 @@
         </dgm:presLayoutVars>
       </dgm:prSet>
       <dgm:spPr/>
+      <dgm:t>
+        <a:bodyPr/>
+        <a:lstStyle/>
+        <a:p>
+          <a:endParaRPr lang="en-US"/>
+        </a:p>
+      </dgm:t>
     </dgm:pt>
     <dgm:pt modelId="{125E6CFD-DA7B-421D-80A7-CE97D4A76620}" type="pres">
       <dgm:prSet presAssocID="{745B5E1A-6C95-4D3B-B428-97E90C923F0E}" presName="sibTrans" presStyleCnt="0"/>
@@ -4567,16 +4728,23 @@
         </dgm:presLayoutVars>
       </dgm:prSet>
       <dgm:spPr/>
+      <dgm:t>
+        <a:bodyPr/>
+        <a:lstStyle/>
+        <a:p>
+          <a:endParaRPr lang="en-US"/>
+        </a:p>
+      </dgm:t>
     </dgm:pt>
   </dgm:ptLst>
   <dgm:cxnLst>
+    <dgm:cxn modelId="{85098FE5-2378-4592-AA44-FC26245EA45A}" type="presOf" srcId="{45350A15-2024-4861-A5C3-A60E4E283EA2}" destId="{6A082805-F36B-491A-927E-E3690575B672}" srcOrd="0" destOrd="0" presId="urn:microsoft.com/office/officeart/2005/8/layout/default"/>
+    <dgm:cxn modelId="{95CD89C4-C71B-4A2B-BF29-F739FA940300}" type="presOf" srcId="{76F8FD48-4713-4B04-9A40-C902A7877A01}" destId="{016ECF38-07A1-40C0-A2B8-87004EAB56CD}" srcOrd="0" destOrd="0" presId="urn:microsoft.com/office/officeart/2005/8/layout/default"/>
+    <dgm:cxn modelId="{997DDCA8-08AB-4047-A2E4-95EC821329E0}" srcId="{76F8FD48-4713-4B04-9A40-C902A7877A01}" destId="{69FCDECF-2EEB-4106-861B-AC1AD370ABA9}" srcOrd="0" destOrd="0" parTransId="{58253A9B-DF1E-4853-8DDB-482558647F2B}" sibTransId="{F16FA1E2-C4D7-44FF-BF3B-BC80302D543A}"/>
+    <dgm:cxn modelId="{997E53D9-7EBC-49A3-8D53-3933232C0AAE}" type="presOf" srcId="{DE2F2B72-37F4-4BA5-AAB3-214F4BE8C5E3}" destId="{4AA1DB99-9ABB-4C83-978B-8098E27C0A17}" srcOrd="0" destOrd="0" presId="urn:microsoft.com/office/officeart/2005/8/layout/default"/>
+    <dgm:cxn modelId="{19D519BC-C97A-42B7-ABAE-B7B7D3697C80}" type="presOf" srcId="{69FCDECF-2EEB-4106-861B-AC1AD370ABA9}" destId="{4D457231-D8DE-4C06-85EA-2746F027E1FD}" srcOrd="0" destOrd="0" presId="urn:microsoft.com/office/officeart/2005/8/layout/default"/>
+    <dgm:cxn modelId="{C4F365E3-F18B-43AE-B3DB-F7E7B392E672}" srcId="{76F8FD48-4713-4B04-9A40-C902A7877A01}" destId="{45350A15-2024-4861-A5C3-A60E4E283EA2}" srcOrd="1" destOrd="0" parTransId="{1ABD30C0-17C2-43C6-B3C4-ECEDB466ECF5}" sibTransId="{745B5E1A-6C95-4D3B-B428-97E90C923F0E}"/>
     <dgm:cxn modelId="{69870F90-A309-4947-9504-8FB11DF9E703}" srcId="{76F8FD48-4713-4B04-9A40-C902A7877A01}" destId="{DE2F2B72-37F4-4BA5-AAB3-214F4BE8C5E3}" srcOrd="2" destOrd="0" parTransId="{84C4D74C-4C7F-4B23-B43D-F7E849FD02CE}" sibTransId="{C9C06E6A-CB7D-4888-99DB-3AC8757003EF}"/>
-    <dgm:cxn modelId="{997DDCA8-08AB-4047-A2E4-95EC821329E0}" srcId="{76F8FD48-4713-4B04-9A40-C902A7877A01}" destId="{69FCDECF-2EEB-4106-861B-AC1AD370ABA9}" srcOrd="0" destOrd="0" parTransId="{58253A9B-DF1E-4853-8DDB-482558647F2B}" sibTransId="{F16FA1E2-C4D7-44FF-BF3B-BC80302D543A}"/>
-    <dgm:cxn modelId="{19D519BC-C97A-42B7-ABAE-B7B7D3697C80}" type="presOf" srcId="{69FCDECF-2EEB-4106-861B-AC1AD370ABA9}" destId="{4D457231-D8DE-4C06-85EA-2746F027E1FD}" srcOrd="0" destOrd="0" presId="urn:microsoft.com/office/officeart/2005/8/layout/default"/>
-    <dgm:cxn modelId="{95CD89C4-C71B-4A2B-BF29-F739FA940300}" type="presOf" srcId="{76F8FD48-4713-4B04-9A40-C902A7877A01}" destId="{016ECF38-07A1-40C0-A2B8-87004EAB56CD}" srcOrd="0" destOrd="0" presId="urn:microsoft.com/office/officeart/2005/8/layout/default"/>
-    <dgm:cxn modelId="{997E53D9-7EBC-49A3-8D53-3933232C0AAE}" type="presOf" srcId="{DE2F2B72-37F4-4BA5-AAB3-214F4BE8C5E3}" destId="{4AA1DB99-9ABB-4C83-978B-8098E27C0A17}" srcOrd="0" destOrd="0" presId="urn:microsoft.com/office/officeart/2005/8/layout/default"/>
-    <dgm:cxn modelId="{C4F365E3-F18B-43AE-B3DB-F7E7B392E672}" srcId="{76F8FD48-4713-4B04-9A40-C902A7877A01}" destId="{45350A15-2024-4861-A5C3-A60E4E283EA2}" srcOrd="1" destOrd="0" parTransId="{1ABD30C0-17C2-43C6-B3C4-ECEDB466ECF5}" sibTransId="{745B5E1A-6C95-4D3B-B428-97E90C923F0E}"/>
-    <dgm:cxn modelId="{85098FE5-2378-4592-AA44-FC26245EA45A}" type="presOf" srcId="{45350A15-2024-4861-A5C3-A60E4E283EA2}" destId="{6A082805-F36B-491A-927E-E3690575B672}" srcOrd="0" destOrd="0" presId="urn:microsoft.com/office/officeart/2005/8/layout/default"/>
     <dgm:cxn modelId="{98B14320-6CCF-40E3-B0E9-C9D1DB9E716E}" type="presParOf" srcId="{016ECF38-07A1-40C0-A2B8-87004EAB56CD}" destId="{4D457231-D8DE-4C06-85EA-2746F027E1FD}" srcOrd="0" destOrd="0" presId="urn:microsoft.com/office/officeart/2005/8/layout/default"/>
     <dgm:cxn modelId="{D0218682-D432-4A93-B96B-C77DFCF7A0E1}" type="presParOf" srcId="{016ECF38-07A1-40C0-A2B8-87004EAB56CD}" destId="{23EDD300-8B63-434E-8285-F12249A561D6}" srcOrd="1" destOrd="0" presId="urn:microsoft.com/office/officeart/2005/8/layout/default"/>
     <dgm:cxn modelId="{CCA2B87D-7152-47D5-9678-460BF9EFDD23}" type="presParOf" srcId="{016ECF38-07A1-40C0-A2B8-87004EAB56CD}" destId="{6A082805-F36B-491A-927E-E3690575B672}" srcOrd="2" destOrd="0" presId="urn:microsoft.com/office/officeart/2005/8/layout/default"/>
@@ -4655,7 +4823,7 @@
         </a:bodyPr>
         <a:lstStyle/>
         <a:p>
-          <a:pPr marL="0" lvl="0" indent="0" algn="l" defTabSz="800100">
+          <a:pPr lvl="0" algn="l" defTabSz="800100">
             <a:lnSpc>
               <a:spcPct val="90000"/>
             </a:lnSpc>
@@ -4665,7 +4833,6 @@
             <a:spcAft>
               <a:spcPct val="35000"/>
             </a:spcAft>
-            <a:buNone/>
           </a:pPr>
           <a:r>
             <a:rPr lang="en-US" sz="1800" kern="1200"/>
@@ -4732,7 +4899,7 @@
         </a:bodyPr>
         <a:lstStyle/>
         <a:p>
-          <a:pPr marL="0" lvl="0" indent="0" algn="ctr" defTabSz="2133600">
+          <a:pPr lvl="0" algn="ctr" defTabSz="2133600">
             <a:lnSpc>
               <a:spcPct val="90000"/>
             </a:lnSpc>
@@ -4742,7 +4909,6 @@
             <a:spcAft>
               <a:spcPct val="35000"/>
             </a:spcAft>
-            <a:buNone/>
           </a:pPr>
           <a:r>
             <a:rPr lang="en-US" sz="4800" kern="1200"/>
@@ -4858,7 +5024,7 @@
         </a:bodyPr>
         <a:lstStyle/>
         <a:p>
-          <a:pPr marL="0" lvl="0" indent="0" algn="l" defTabSz="800100">
+          <a:pPr lvl="0" algn="l" defTabSz="800100">
             <a:lnSpc>
               <a:spcPct val="90000"/>
             </a:lnSpc>
@@ -4868,7 +5034,6 @@
             <a:spcAft>
               <a:spcPct val="35000"/>
             </a:spcAft>
-            <a:buNone/>
           </a:pPr>
           <a:r>
             <a:rPr lang="en-US" sz="1800" kern="1200"/>
@@ -4935,7 +5100,7 @@
         </a:bodyPr>
         <a:lstStyle/>
         <a:p>
-          <a:pPr marL="0" lvl="0" indent="0" algn="ctr" defTabSz="2133600">
+          <a:pPr lvl="0" algn="ctr" defTabSz="2133600">
             <a:lnSpc>
               <a:spcPct val="90000"/>
             </a:lnSpc>
@@ -4945,7 +5110,6 @@
             <a:spcAft>
               <a:spcPct val="35000"/>
             </a:spcAft>
-            <a:buNone/>
           </a:pPr>
           <a:r>
             <a:rPr lang="en-US" sz="4800" kern="1200"/>
@@ -5061,7 +5225,7 @@
         </a:bodyPr>
         <a:lstStyle/>
         <a:p>
-          <a:pPr marL="0" lvl="0" indent="0" algn="l" defTabSz="800100">
+          <a:pPr lvl="0" algn="l" defTabSz="800100">
             <a:lnSpc>
               <a:spcPct val="90000"/>
             </a:lnSpc>
@@ -5071,7 +5235,6 @@
             <a:spcAft>
               <a:spcPct val="35000"/>
             </a:spcAft>
-            <a:buNone/>
           </a:pPr>
           <a:r>
             <a:rPr lang="en-US" sz="1800" kern="1200"/>
@@ -5138,7 +5301,7 @@
         </a:bodyPr>
         <a:lstStyle/>
         <a:p>
-          <a:pPr marL="0" lvl="0" indent="0" algn="ctr" defTabSz="2133600">
+          <a:pPr lvl="0" algn="ctr" defTabSz="2133600">
             <a:lnSpc>
               <a:spcPct val="90000"/>
             </a:lnSpc>
@@ -5148,7 +5311,6 @@
             <a:spcAft>
               <a:spcPct val="35000"/>
             </a:spcAft>
-            <a:buNone/>
           </a:pPr>
           <a:r>
             <a:rPr lang="en-US" sz="4800" kern="1200"/>
@@ -5276,7 +5438,7 @@
         </a:bodyPr>
         <a:lstStyle/>
         <a:p>
-          <a:pPr marL="0" lvl="0" indent="0" algn="ctr" defTabSz="800100">
+          <a:pPr lvl="0" algn="ctr" defTabSz="800100">
             <a:lnSpc>
               <a:spcPct val="90000"/>
             </a:lnSpc>
@@ -5286,7 +5448,6 @@
             <a:spcAft>
               <a:spcPct val="35000"/>
             </a:spcAft>
-            <a:buNone/>
           </a:pPr>
           <a:r>
             <a:rPr lang="en-US" sz="1800" b="1" kern="1200"/>
@@ -5477,7 +5638,7 @@
         </a:bodyPr>
         <a:lstStyle/>
         <a:p>
-          <a:pPr marL="0" lvl="0" indent="0" algn="ctr" defTabSz="800100">
+          <a:pPr lvl="0" algn="ctr" defTabSz="800100">
             <a:lnSpc>
               <a:spcPct val="90000"/>
             </a:lnSpc>
@@ -5487,7 +5648,6 @@
             <a:spcAft>
               <a:spcPct val="35000"/>
             </a:spcAft>
-            <a:buNone/>
           </a:pPr>
           <a:r>
             <a:rPr lang="en-US" sz="1800" b="1" kern="1200"/>
@@ -5705,7 +5865,7 @@
         </a:bodyPr>
         <a:lstStyle/>
         <a:p>
-          <a:pPr marL="0" lvl="0" indent="0" algn="ctr" defTabSz="2489200">
+          <a:pPr lvl="0" algn="ctr" defTabSz="2489200">
             <a:lnSpc>
               <a:spcPct val="90000"/>
             </a:lnSpc>
@@ -5715,7 +5875,6 @@
             <a:spcAft>
               <a:spcPct val="35000"/>
             </a:spcAft>
-            <a:buNone/>
           </a:pPr>
           <a:r>
             <a:rPr lang="en-US" sz="5600" kern="1200"/>
@@ -5782,7 +5941,7 @@
         </a:bodyPr>
         <a:lstStyle/>
         <a:p>
-          <a:pPr marL="0" lvl="0" indent="0" algn="ctr" defTabSz="2489200">
+          <a:pPr lvl="0" algn="ctr" defTabSz="2489200">
             <a:lnSpc>
               <a:spcPct val="90000"/>
             </a:lnSpc>
@@ -5792,7 +5951,6 @@
             <a:spcAft>
               <a:spcPct val="35000"/>
             </a:spcAft>
-            <a:buNone/>
           </a:pPr>
           <a:r>
             <a:rPr lang="en-US" sz="5600" kern="1200"/>
@@ -5859,7 +6017,7 @@
         </a:bodyPr>
         <a:lstStyle/>
         <a:p>
-          <a:pPr marL="0" lvl="0" indent="0" algn="ctr" defTabSz="2489200">
+          <a:pPr lvl="0" algn="ctr" defTabSz="2489200">
             <a:lnSpc>
               <a:spcPct val="90000"/>
             </a:lnSpc>
@@ -5869,7 +6027,6 @@
             <a:spcAft>
               <a:spcPct val="35000"/>
             </a:spcAft>
-            <a:buNone/>
           </a:pPr>
           <a:r>
             <a:rPr lang="en-US" sz="5600" kern="1200"/>
@@ -5936,7 +6093,7 @@
         </a:bodyPr>
         <a:lstStyle/>
         <a:p>
-          <a:pPr marL="0" lvl="0" indent="0" algn="ctr" defTabSz="2489200">
+          <a:pPr lvl="0" algn="ctr" defTabSz="2489200">
             <a:lnSpc>
               <a:spcPct val="90000"/>
             </a:lnSpc>
@@ -5946,7 +6103,6 @@
             <a:spcAft>
               <a:spcPct val="35000"/>
             </a:spcAft>
-            <a:buNone/>
           </a:pPr>
           <a:r>
             <a:rPr lang="en-US" sz="5600" kern="1200"/>
@@ -6025,7 +6181,7 @@
         </a:bodyPr>
         <a:lstStyle/>
         <a:p>
-          <a:pPr marL="0" lvl="0" indent="0" algn="ctr" defTabSz="977900">
+          <a:pPr lvl="0" algn="ctr" defTabSz="977900">
             <a:lnSpc>
               <a:spcPct val="90000"/>
             </a:lnSpc>
@@ -6035,7 +6191,6 @@
             <a:spcAft>
               <a:spcPct val="35000"/>
             </a:spcAft>
-            <a:buNone/>
           </a:pPr>
           <a:r>
             <a:rPr lang="en-US" sz="2200" kern="1200"/>
@@ -6102,7 +6257,7 @@
         </a:bodyPr>
         <a:lstStyle/>
         <a:p>
-          <a:pPr marL="0" lvl="0" indent="0" algn="ctr" defTabSz="977900">
+          <a:pPr lvl="0" algn="ctr" defTabSz="977900">
             <a:lnSpc>
               <a:spcPct val="90000"/>
             </a:lnSpc>
@@ -6112,7 +6267,6 @@
             <a:spcAft>
               <a:spcPct val="35000"/>
             </a:spcAft>
-            <a:buNone/>
           </a:pPr>
           <a:r>
             <a:rPr lang="en-US" sz="2200" kern="1200"/>
@@ -6179,7 +6333,7 @@
         </a:bodyPr>
         <a:lstStyle/>
         <a:p>
-          <a:pPr marL="0" lvl="0" indent="0" algn="ctr" defTabSz="977900">
+          <a:pPr lvl="0" algn="ctr" defTabSz="977900">
             <a:lnSpc>
               <a:spcPct val="90000"/>
             </a:lnSpc>
@@ -6189,7 +6343,6 @@
             <a:spcAft>
               <a:spcPct val="35000"/>
             </a:spcAft>
-            <a:buNone/>
           </a:pPr>
           <a:r>
             <a:rPr lang="en-US" sz="2200" kern="1200"/>
@@ -6471,7 +6624,7 @@
   </dgm:layoutNode>
   <dgm:extLst>
     <a:ext uri="{4F341089-5ED1-44EC-B178-C955D00A3D55}">
-      <dgm1611:autoBuNodeInfoLst xmlns:dgm1611="http://schemas.microsoft.com/office/drawing/2016/11/diagram">
+      <dgm1611:autoBuNodeInfoLst xmlns:dgm1611="http://schemas.microsoft.com/office/drawing/2016/11/diagram" xmlns="">
         <dgm1611:autoBuNodeInfo lvl="1" ptType="sibTrans">
           <dgm1611:buPr prefix="" leadZeros="0">
             <a:buAutoNum type="arabicParenBoth"/>
@@ -11213,7 +11366,7 @@
             <a:fld id="{BD8FA3CA-5725-4BA7-A851-72A62AC5A8EE}" type="datetimeFigureOut">
               <a:rPr lang="en-CA" smtClean="0"/>
               <a:pPr/>
-              <a:t>2017-11-06</a:t>
+              <a:t>2017-11-14</a:t>
             </a:fld>
             <a:endParaRPr lang="en-CA"/>
           </a:p>
@@ -11381,7 +11534,7 @@
             <a:fld id="{C3B58700-9FA2-48CE-AC88-D71D45EB490A}" type="datetimeFigureOut">
               <a:rPr lang="en-US" smtClean="0"/>
               <a:pPr/>
-              <a:t>11/6/2017</a:t>
+              <a:t>11/14/17</a:t>
             </a:fld>
             <a:endParaRPr lang="en-US"/>
           </a:p>
@@ -17908,81 +18061,7 @@
 </file>
 
 <file path=ppt/slides/slide1.xml><?xml version="1.0" encoding="utf-8"?>
-<p:sld xmlns:a="http://schemas.openxmlformats.org/drawingml/2006/main" xmlns:r="http://schemas.openxmlformats.org/officeDocument/2006/relationships" xmlns:p="http://schemas.openxmlformats.org/presentationml/2006/main">
-  <p:cSld>
-    <p:spTree>
-      <p:nvGrpSpPr>
-        <p:cNvPr id="1" name=""/>
-        <p:cNvGrpSpPr/>
-        <p:nvPr/>
-      </p:nvGrpSpPr>
-      <p:grpSpPr>
-        <a:xfrm>
-          <a:off x="0" y="0"/>
-          <a:ext cx="0" cy="0"/>
-          <a:chOff x="0" y="0"/>
-          <a:chExt cx="0" cy="0"/>
-        </a:xfrm>
-      </p:grpSpPr>
-      <p:sp>
-        <p:nvSpPr>
-          <p:cNvPr id="3" name="Title 1"/>
-          <p:cNvSpPr>
-            <a:spLocks noGrp="1"/>
-          </p:cNvSpPr>
-          <p:nvPr>
-            <p:ph type="ctrTitle"/>
-          </p:nvPr>
-        </p:nvSpPr>
-        <p:spPr/>
-        <p:txBody>
-          <a:bodyPr/>
-          <a:lstStyle/>
-          <a:p>
-            <a:r>
-              <a:rPr lang="en-AU"/>
-              <a:t>Introduction to Angular 2</a:t>
-            </a:r>
-          </a:p>
-        </p:txBody>
-      </p:sp>
-      <p:sp>
-        <p:nvSpPr>
-          <p:cNvPr id="4" name="Text Placeholder 3"/>
-          <p:cNvSpPr>
-            <a:spLocks noGrp="1"/>
-          </p:cNvSpPr>
-          <p:nvPr>
-            <p:ph type="body" sz="quarter" idx="10"/>
-          </p:nvPr>
-        </p:nvSpPr>
-        <p:spPr/>
-        <p:txBody>
-          <a:bodyPr/>
-          <a:lstStyle/>
-          <a:p>
-            <a:r>
-              <a:rPr lang="en-GB"/>
-              <a:t>Day 03</a:t>
-            </a:r>
-          </a:p>
-        </p:txBody>
-      </p:sp>
-    </p:spTree>
-    <p:extLst>
-      <p:ext uri="{BB962C8B-B14F-4D97-AF65-F5344CB8AC3E}">
-        <p14:creationId xmlns:p14="http://schemas.microsoft.com/office/powerpoint/2010/main" val="1241035648"/>
-      </p:ext>
-    </p:extLst>
-  </p:cSld>
-  <p:clrMapOvr>
-    <a:masterClrMapping/>
-  </p:clrMapOvr>
-</p:sld>
-</file>
-
-<file path=ppt/slides/slide10.xml><?xml version="1.0" encoding="utf-8"?>
-<p:sld xmlns:a="http://schemas.openxmlformats.org/drawingml/2006/main" xmlns:r="http://schemas.openxmlformats.org/officeDocument/2006/relationships" xmlns:p="http://schemas.openxmlformats.org/presentationml/2006/main">
+<p:sld xmlns:a="http://schemas.openxmlformats.org/drawingml/2006/main" xmlns:r="http://schemas.openxmlformats.org/officeDocument/2006/relationships" xmlns:p="http://schemas.openxmlformats.org/presentationml/2006/main" showMasterSp="0">
   <p:cSld>
     <p:spTree>
       <p:nvGrpSpPr>
@@ -18013,10 +18092,7 @@
           <a:bodyPr/>
           <a:lstStyle/>
           <a:p>
-            <a:r>
-              <a:rPr lang="en-US"/>
-              <a:t>Routing</a:t>
-            </a:r>
+            <a:endParaRPr lang="en-US"/>
           </a:p>
         </p:txBody>
       </p:sp>
@@ -18035,6 +18111,105 @@
           <a:bodyPr/>
           <a:lstStyle/>
           <a:p>
+            <a:pPr algn="ctr"/>
+            <a:endParaRPr lang="en-US" sz="4000" dirty="0" smtClean="0"/>
+          </a:p>
+          <a:p>
+            <a:pPr algn="ctr"/>
+            <a:endParaRPr lang="en-US" sz="4000" dirty="0"/>
+          </a:p>
+          <a:p>
+            <a:pPr algn="ctr"/>
+            <a:r>
+              <a:rPr lang="en-AU" sz="4000" dirty="0"/>
+              <a:t>Introduction to Angular </a:t>
+            </a:r>
+            <a:r>
+              <a:rPr lang="en-AU" sz="4000" dirty="0" smtClean="0"/>
+              <a:t>2</a:t>
+            </a:r>
+          </a:p>
+          <a:p>
+            <a:pPr algn="ctr"/>
+            <a:endParaRPr lang="en-AU" sz="4000" dirty="0"/>
+          </a:p>
+          <a:p>
+            <a:pPr algn="ctr"/>
+            <a:r>
+              <a:rPr lang="en-AU" sz="2000" dirty="0" smtClean="0"/>
+              <a:t>Day 3</a:t>
+            </a:r>
+            <a:endParaRPr lang="en-US" sz="2000" dirty="0"/>
+          </a:p>
+        </p:txBody>
+      </p:sp>
+    </p:spTree>
+    <p:extLst>
+      <p:ext uri="{BB962C8B-B14F-4D97-AF65-F5344CB8AC3E}">
+        <p14:creationId xmlns:p14="http://schemas.microsoft.com/office/powerpoint/2010/main" val="1637684066"/>
+      </p:ext>
+    </p:extLst>
+  </p:cSld>
+  <p:clrMapOvr>
+    <a:masterClrMapping/>
+  </p:clrMapOvr>
+</p:sld>
+</file>
+
+<file path=ppt/slides/slide10.xml><?xml version="1.0" encoding="utf-8"?>
+<p:sld xmlns:a="http://schemas.openxmlformats.org/drawingml/2006/main" xmlns:r="http://schemas.openxmlformats.org/officeDocument/2006/relationships" xmlns:p="http://schemas.openxmlformats.org/presentationml/2006/main" showMasterSp="0">
+  <p:cSld>
+    <p:spTree>
+      <p:nvGrpSpPr>
+        <p:cNvPr id="1" name=""/>
+        <p:cNvGrpSpPr/>
+        <p:nvPr/>
+      </p:nvGrpSpPr>
+      <p:grpSpPr>
+        <a:xfrm>
+          <a:off x="0" y="0"/>
+          <a:ext cx="0" cy="0"/>
+          <a:chOff x="0" y="0"/>
+          <a:chExt cx="0" cy="0"/>
+        </a:xfrm>
+      </p:grpSpPr>
+      <p:sp>
+        <p:nvSpPr>
+          <p:cNvPr id="2" name="Title 1"/>
+          <p:cNvSpPr>
+            <a:spLocks noGrp="1"/>
+          </p:cNvSpPr>
+          <p:nvPr>
+            <p:ph type="title"/>
+          </p:nvPr>
+        </p:nvSpPr>
+        <p:spPr/>
+        <p:txBody>
+          <a:bodyPr/>
+          <a:lstStyle/>
+          <a:p>
+            <a:r>
+              <a:rPr lang="en-US"/>
+              <a:t>Routing</a:t>
+            </a:r>
+          </a:p>
+        </p:txBody>
+      </p:sp>
+      <p:sp>
+        <p:nvSpPr>
+          <p:cNvPr id="3" name="Text Placeholder 2"/>
+          <p:cNvSpPr>
+            <a:spLocks noGrp="1"/>
+          </p:cNvSpPr>
+          <p:nvPr>
+            <p:ph type="body" idx="12"/>
+          </p:nvPr>
+        </p:nvSpPr>
+        <p:spPr/>
+        <p:txBody>
+          <a:bodyPr/>
+          <a:lstStyle/>
+          <a:p>
             <a:pPr marL="457200" indent="-457200">
               <a:buFont typeface="Arial" panose="020B0604020202020204" pitchFamily="34" charset="0"/>
               <a:buChar char="•"/>
@@ -18122,7 +18297,7 @@
 </file>
 
 <file path=ppt/slides/slide11.xml><?xml version="1.0" encoding="utf-8"?>
-<p:sld xmlns:a="http://schemas.openxmlformats.org/drawingml/2006/main" xmlns:r="http://schemas.openxmlformats.org/officeDocument/2006/relationships" xmlns:p="http://schemas.openxmlformats.org/presentationml/2006/main">
+<p:sld xmlns:a="http://schemas.openxmlformats.org/drawingml/2006/main" xmlns:r="http://schemas.openxmlformats.org/officeDocument/2006/relationships" xmlns:p="http://schemas.openxmlformats.org/presentationml/2006/main" showMasterSp="0">
   <p:cSld>
     <p:spTree>
       <p:nvGrpSpPr>
@@ -18362,7 +18537,7 @@
 </file>
 
 <file path=ppt/slides/slide12.xml><?xml version="1.0" encoding="utf-8"?>
-<p:sld xmlns:a="http://schemas.openxmlformats.org/drawingml/2006/main" xmlns:r="http://schemas.openxmlformats.org/officeDocument/2006/relationships" xmlns:p="http://schemas.openxmlformats.org/presentationml/2006/main">
+<p:sld xmlns:a="http://schemas.openxmlformats.org/drawingml/2006/main" xmlns:r="http://schemas.openxmlformats.org/officeDocument/2006/relationships" xmlns:p="http://schemas.openxmlformats.org/presentationml/2006/main" showMasterSp="0">
   <p:cSld>
     <p:spTree>
       <p:nvGrpSpPr>
@@ -18383,7 +18558,7 @@
           <p:cNvPr id="11" name="Picture 10">
             <a:extLst>
               <a:ext uri="{FF2B5EF4-FFF2-40B4-BE49-F238E27FC236}">
-                <a16:creationId xmlns:a16="http://schemas.microsoft.com/office/drawing/2014/main" id="{A5A25781-6D3D-4854-A728-80AA9A3FC638}"/>
+                <a16:creationId xmlns:a16="http://schemas.microsoft.com/office/drawing/2014/main" xmlns="" id="{A5A25781-6D3D-4854-A728-80AA9A3FC638}"/>
               </a:ext>
             </a:extLst>
           </p:cNvPr>
@@ -18707,7 +18882,7 @@
           <p:cNvPr id="12" name="Rectangle 11">
             <a:extLst>
               <a:ext uri="{FF2B5EF4-FFF2-40B4-BE49-F238E27FC236}">
-                <a16:creationId xmlns:a16="http://schemas.microsoft.com/office/drawing/2014/main" id="{DE4863BF-802A-4F4C-9745-19382B1DEB50}"/>
+                <a16:creationId xmlns:a16="http://schemas.microsoft.com/office/drawing/2014/main" xmlns="" id="{DE4863BF-802A-4F4C-9745-19382B1DEB50}"/>
               </a:ext>
             </a:extLst>
           </p:cNvPr>
@@ -18753,7 +18928,7 @@
           <p:cNvPr id="13" name="Rectangle 12">
             <a:extLst>
               <a:ext uri="{FF2B5EF4-FFF2-40B4-BE49-F238E27FC236}">
-                <a16:creationId xmlns:a16="http://schemas.microsoft.com/office/drawing/2014/main" id="{D8ED1B02-801B-4E55-A5C8-1FC453DDE7FF}"/>
+                <a16:creationId xmlns:a16="http://schemas.microsoft.com/office/drawing/2014/main" xmlns="" id="{D8ED1B02-801B-4E55-A5C8-1FC453DDE7FF}"/>
               </a:ext>
             </a:extLst>
           </p:cNvPr>
@@ -18811,7 +18986,7 @@
           <p:cNvPr id="4" name="Picture 3">
             <a:extLst>
               <a:ext uri="{FF2B5EF4-FFF2-40B4-BE49-F238E27FC236}">
-                <a16:creationId xmlns:a16="http://schemas.microsoft.com/office/drawing/2014/main" id="{DF91B20A-779E-4E97-87A3-6F7CD334B4C9}"/>
+                <a16:creationId xmlns:a16="http://schemas.microsoft.com/office/drawing/2014/main" xmlns="" id="{DF91B20A-779E-4E97-87A3-6F7CD334B4C9}"/>
               </a:ext>
             </a:extLst>
           </p:cNvPr>
@@ -18979,7 +19154,7 @@
 </file>
 
 <file path=ppt/slides/slide13.xml><?xml version="1.0" encoding="utf-8"?>
-<p:sld xmlns:a="http://schemas.openxmlformats.org/drawingml/2006/main" xmlns:r="http://schemas.openxmlformats.org/officeDocument/2006/relationships" xmlns:p="http://schemas.openxmlformats.org/presentationml/2006/main">
+<p:sld xmlns:a="http://schemas.openxmlformats.org/drawingml/2006/main" xmlns:r="http://schemas.openxmlformats.org/officeDocument/2006/relationships" xmlns:p="http://schemas.openxmlformats.org/presentationml/2006/main" showMasterSp="0">
   <p:cSld>
     <p:spTree>
       <p:nvGrpSpPr>
@@ -19128,6 +19303,10 @@
             <a:endParaRPr lang="en-US"/>
           </a:p>
           <a:p>
+            <a:r>
+              <a:rPr lang="en-US" b="1"/>
+              <a:t/>
+            </a:r>
             <a:br>
               <a:rPr lang="en-US" b="1"/>
             </a:br>
@@ -19164,7 +19343,7 @@
           <p:cNvPr id="5" name="TextBox 4">
             <a:extLst>
               <a:ext uri="{FF2B5EF4-FFF2-40B4-BE49-F238E27FC236}">
-                <a16:creationId xmlns:a16="http://schemas.microsoft.com/office/drawing/2014/main" id="{A4B4B78C-6745-4DBF-9A22-CA54F6041B41}"/>
+                <a16:creationId xmlns:a16="http://schemas.microsoft.com/office/drawing/2014/main" xmlns="" id="{A4B4B78C-6745-4DBF-9A22-CA54F6041B41}"/>
               </a:ext>
             </a:extLst>
           </p:cNvPr>
@@ -19217,7 +19396,7 @@
           <p:cNvPr id="6" name="Picture 5">
             <a:extLst>
               <a:ext uri="{FF2B5EF4-FFF2-40B4-BE49-F238E27FC236}">
-                <a16:creationId xmlns:a16="http://schemas.microsoft.com/office/drawing/2014/main" id="{5EB47215-2176-422C-9253-26BE1EBF9F49}"/>
+                <a16:creationId xmlns:a16="http://schemas.microsoft.com/office/drawing/2014/main" xmlns="" id="{5EB47215-2176-422C-9253-26BE1EBF9F49}"/>
               </a:ext>
             </a:extLst>
           </p:cNvPr>
@@ -19256,7 +19435,7 @@
 </file>
 
 <file path=ppt/slides/slide14.xml><?xml version="1.0" encoding="utf-8"?>
-<p:sld xmlns:a="http://schemas.openxmlformats.org/drawingml/2006/main" xmlns:r="http://schemas.openxmlformats.org/officeDocument/2006/relationships" xmlns:p="http://schemas.openxmlformats.org/presentationml/2006/main">
+<p:sld xmlns:a="http://schemas.openxmlformats.org/drawingml/2006/main" xmlns:r="http://schemas.openxmlformats.org/officeDocument/2006/relationships" xmlns:p="http://schemas.openxmlformats.org/presentationml/2006/main" showMasterSp="0">
   <p:cSld>
     <p:spTree>
       <p:nvGrpSpPr>
@@ -19332,7 +19511,7 @@
 </file>
 
 <file path=ppt/slides/slide15.xml><?xml version="1.0" encoding="utf-8"?>
-<p:sld xmlns:a="http://schemas.openxmlformats.org/drawingml/2006/main" xmlns:r="http://schemas.openxmlformats.org/officeDocument/2006/relationships" xmlns:p="http://schemas.openxmlformats.org/presentationml/2006/main">
+<p:sld xmlns:a="http://schemas.openxmlformats.org/drawingml/2006/main" xmlns:r="http://schemas.openxmlformats.org/officeDocument/2006/relationships" xmlns:p="http://schemas.openxmlformats.org/presentationml/2006/main" showMasterSp="0">
   <p:cSld>
     <p:spTree>
       <p:nvGrpSpPr>
@@ -19528,7 +19707,7 @@
 </file>
 
 <file path=ppt/slides/slide16.xml><?xml version="1.0" encoding="utf-8"?>
-<p:sld xmlns:a="http://schemas.openxmlformats.org/drawingml/2006/main" xmlns:r="http://schemas.openxmlformats.org/officeDocument/2006/relationships" xmlns:p="http://schemas.openxmlformats.org/presentationml/2006/main">
+<p:sld xmlns:a="http://schemas.openxmlformats.org/drawingml/2006/main" xmlns:r="http://schemas.openxmlformats.org/officeDocument/2006/relationships" xmlns:p="http://schemas.openxmlformats.org/presentationml/2006/main" showMasterSp="0">
   <p:cSld>
     <p:spTree>
       <p:nvGrpSpPr>
@@ -19811,7 +19990,7 @@
 </file>
 
 <file path=ppt/slides/slide17.xml><?xml version="1.0" encoding="utf-8"?>
-<p:sld xmlns:a="http://schemas.openxmlformats.org/drawingml/2006/main" xmlns:r="http://schemas.openxmlformats.org/officeDocument/2006/relationships" xmlns:p="http://schemas.openxmlformats.org/presentationml/2006/main">
+<p:sld xmlns:a="http://schemas.openxmlformats.org/drawingml/2006/main" xmlns:r="http://schemas.openxmlformats.org/officeDocument/2006/relationships" xmlns:p="http://schemas.openxmlformats.org/presentationml/2006/main" showMasterSp="0">
   <p:cSld>
     <p:spTree>
       <p:nvGrpSpPr>
@@ -19905,7 +20084,7 @@
 </file>
 
 <file path=ppt/slides/slide18.xml><?xml version="1.0" encoding="utf-8"?>
-<p:sld xmlns:a="http://schemas.openxmlformats.org/drawingml/2006/main" xmlns:r="http://schemas.openxmlformats.org/officeDocument/2006/relationships" xmlns:p="http://schemas.openxmlformats.org/presentationml/2006/main">
+<p:sld xmlns:a="http://schemas.openxmlformats.org/drawingml/2006/main" xmlns:r="http://schemas.openxmlformats.org/officeDocument/2006/relationships" xmlns:p="http://schemas.openxmlformats.org/presentationml/2006/main" showMasterSp="0">
   <p:cSld>
     <p:spTree>
       <p:nvGrpSpPr>
@@ -20087,7 +20266,7 @@
 </file>
 
 <file path=ppt/slides/slide19.xml><?xml version="1.0" encoding="utf-8"?>
-<p:sld xmlns:a="http://schemas.openxmlformats.org/drawingml/2006/main" xmlns:r="http://schemas.openxmlformats.org/officeDocument/2006/relationships" xmlns:p="http://schemas.openxmlformats.org/presentationml/2006/main">
+<p:sld xmlns:a="http://schemas.openxmlformats.org/drawingml/2006/main" xmlns:r="http://schemas.openxmlformats.org/officeDocument/2006/relationships" xmlns:p="http://schemas.openxmlformats.org/presentationml/2006/main" showMasterSp="0">
   <p:cSld>
     <p:spTree>
       <p:nvGrpSpPr>
@@ -20328,7 +20507,7 @@
 </file>
 
 <file path=ppt/slides/slide2.xml><?xml version="1.0" encoding="utf-8"?>
-<p:sld xmlns:a="http://schemas.openxmlformats.org/drawingml/2006/main" xmlns:r="http://schemas.openxmlformats.org/officeDocument/2006/relationships" xmlns:p="http://schemas.openxmlformats.org/presentationml/2006/main">
+<p:sld xmlns:a="http://schemas.openxmlformats.org/drawingml/2006/main" xmlns:r="http://schemas.openxmlformats.org/officeDocument/2006/relationships" xmlns:p="http://schemas.openxmlformats.org/presentationml/2006/main" showMasterSp="0">
   <p:cSld>
     <p:spTree>
       <p:nvGrpSpPr>
@@ -20441,7 +20620,7 @@
 </file>
 
 <file path=ppt/slides/slide20.xml><?xml version="1.0" encoding="utf-8"?>
-<p:sld xmlns:a="http://schemas.openxmlformats.org/drawingml/2006/main" xmlns:r="http://schemas.openxmlformats.org/officeDocument/2006/relationships" xmlns:p="http://schemas.openxmlformats.org/presentationml/2006/main">
+<p:sld xmlns:a="http://schemas.openxmlformats.org/drawingml/2006/main" xmlns:r="http://schemas.openxmlformats.org/officeDocument/2006/relationships" xmlns:p="http://schemas.openxmlformats.org/presentationml/2006/main" showMasterSp="0">
   <p:cSld>
     <p:spTree>
       <p:nvGrpSpPr>
@@ -20575,7 +20754,7 @@
 </file>
 
 <file path=ppt/slides/slide21.xml><?xml version="1.0" encoding="utf-8"?>
-<p:sld xmlns:a="http://schemas.openxmlformats.org/drawingml/2006/main" xmlns:r="http://schemas.openxmlformats.org/officeDocument/2006/relationships" xmlns:p="http://schemas.openxmlformats.org/presentationml/2006/main">
+<p:sld xmlns:a="http://schemas.openxmlformats.org/drawingml/2006/main" xmlns:r="http://schemas.openxmlformats.org/officeDocument/2006/relationships" xmlns:p="http://schemas.openxmlformats.org/presentationml/2006/main" showMasterSp="0">
   <p:cSld>
     <p:spTree>
       <p:nvGrpSpPr>
@@ -20883,7 +21062,7 @@
 </file>
 
 <file path=ppt/slides/slide22.xml><?xml version="1.0" encoding="utf-8"?>
-<p:sld xmlns:a="http://schemas.openxmlformats.org/drawingml/2006/main" xmlns:r="http://schemas.openxmlformats.org/officeDocument/2006/relationships" xmlns:p="http://schemas.openxmlformats.org/presentationml/2006/main">
+<p:sld xmlns:a="http://schemas.openxmlformats.org/drawingml/2006/main" xmlns:r="http://schemas.openxmlformats.org/officeDocument/2006/relationships" xmlns:p="http://schemas.openxmlformats.org/presentationml/2006/main" showMasterSp="0">
   <p:cSld>
     <p:spTree>
       <p:nvGrpSpPr>
@@ -20935,7 +21114,7 @@
 </file>
 
 <file path=ppt/slides/slide23.xml><?xml version="1.0" encoding="utf-8"?>
-<p:sld xmlns:a="http://schemas.openxmlformats.org/drawingml/2006/main" xmlns:r="http://schemas.openxmlformats.org/officeDocument/2006/relationships" xmlns:p="http://schemas.openxmlformats.org/presentationml/2006/main">
+<p:sld xmlns:a="http://schemas.openxmlformats.org/drawingml/2006/main" xmlns:r="http://schemas.openxmlformats.org/officeDocument/2006/relationships" xmlns:p="http://schemas.openxmlformats.org/presentationml/2006/main" showMasterSp="0">
   <p:cSld>
     <p:spTree>
       <p:nvGrpSpPr>
@@ -21135,7 +21314,7 @@
 </file>
 
 <file path=ppt/slides/slide24.xml><?xml version="1.0" encoding="utf-8"?>
-<p:sld xmlns:a="http://schemas.openxmlformats.org/drawingml/2006/main" xmlns:r="http://schemas.openxmlformats.org/officeDocument/2006/relationships" xmlns:p="http://schemas.openxmlformats.org/presentationml/2006/main">
+<p:sld xmlns:a="http://schemas.openxmlformats.org/drawingml/2006/main" xmlns:r="http://schemas.openxmlformats.org/officeDocument/2006/relationships" xmlns:p="http://schemas.openxmlformats.org/presentationml/2006/main" showMasterSp="0">
   <p:cSld>
     <p:spTree>
       <p:nvGrpSpPr>
@@ -21244,7 +21423,7 @@
 </file>
 
 <file path=ppt/slides/slide25.xml><?xml version="1.0" encoding="utf-8"?>
-<p:sld xmlns:a="http://schemas.openxmlformats.org/drawingml/2006/main" xmlns:r="http://schemas.openxmlformats.org/officeDocument/2006/relationships" xmlns:p="http://schemas.openxmlformats.org/presentationml/2006/main">
+<p:sld xmlns:a="http://schemas.openxmlformats.org/drawingml/2006/main" xmlns:r="http://schemas.openxmlformats.org/officeDocument/2006/relationships" xmlns:p="http://schemas.openxmlformats.org/presentationml/2006/main" showMasterSp="0">
   <p:cSld>
     <p:spTree>
       <p:nvGrpSpPr>
@@ -21401,7 +21580,7 @@
 </file>
 
 <file path=ppt/slides/slide26.xml><?xml version="1.0" encoding="utf-8"?>
-<p:sld xmlns:a="http://schemas.openxmlformats.org/drawingml/2006/main" xmlns:r="http://schemas.openxmlformats.org/officeDocument/2006/relationships" xmlns:p="http://schemas.openxmlformats.org/presentationml/2006/main">
+<p:sld xmlns:a="http://schemas.openxmlformats.org/drawingml/2006/main" xmlns:r="http://schemas.openxmlformats.org/officeDocument/2006/relationships" xmlns:p="http://schemas.openxmlformats.org/presentationml/2006/main" showMasterSp="0">
   <p:cSld>
     <p:spTree>
       <p:nvGrpSpPr>
@@ -21453,7 +21632,7 @@
 </file>
 
 <file path=ppt/slides/slide27.xml><?xml version="1.0" encoding="utf-8"?>
-<p:sld xmlns:a="http://schemas.openxmlformats.org/drawingml/2006/main" xmlns:r="http://schemas.openxmlformats.org/officeDocument/2006/relationships" xmlns:p="http://schemas.openxmlformats.org/presentationml/2006/main">
+<p:sld xmlns:a="http://schemas.openxmlformats.org/drawingml/2006/main" xmlns:r="http://schemas.openxmlformats.org/officeDocument/2006/relationships" xmlns:p="http://schemas.openxmlformats.org/presentationml/2006/main" showMasterSp="0">
   <p:cSld>
     <p:spTree>
       <p:nvGrpSpPr>
@@ -21610,7 +21789,7 @@
 </file>
 
 <file path=ppt/slides/slide28.xml><?xml version="1.0" encoding="utf-8"?>
-<p:sld xmlns:a="http://schemas.openxmlformats.org/drawingml/2006/main" xmlns:r="http://schemas.openxmlformats.org/officeDocument/2006/relationships" xmlns:p="http://schemas.openxmlformats.org/presentationml/2006/main">
+<p:sld xmlns:a="http://schemas.openxmlformats.org/drawingml/2006/main" xmlns:r="http://schemas.openxmlformats.org/officeDocument/2006/relationships" xmlns:p="http://schemas.openxmlformats.org/presentationml/2006/main" showMasterSp="0">
   <p:cSld>
     <p:spTree>
       <p:nvGrpSpPr>
@@ -21662,7 +21841,7 @@
 </file>
 
 <file path=ppt/slides/slide29.xml><?xml version="1.0" encoding="utf-8"?>
-<p:sld xmlns:a="http://schemas.openxmlformats.org/drawingml/2006/main" xmlns:r="http://schemas.openxmlformats.org/officeDocument/2006/relationships" xmlns:p="http://schemas.openxmlformats.org/presentationml/2006/main">
+<p:sld xmlns:a="http://schemas.openxmlformats.org/drawingml/2006/main" xmlns:r="http://schemas.openxmlformats.org/officeDocument/2006/relationships" xmlns:p="http://schemas.openxmlformats.org/presentationml/2006/main" showMasterSp="0">
   <p:cSld>
     <p:spTree>
       <p:nvGrpSpPr>
@@ -21724,14 +21903,14 @@
                 <a:gridCol w="2027996">
                   <a:extLst>
                     <a:ext uri="{9D8B030D-6E8A-4147-A177-3AD203B41FA5}">
-                      <a16:colId xmlns:a16="http://schemas.microsoft.com/office/drawing/2014/main" val="2357327223"/>
+                      <a16:colId xmlns:a16="http://schemas.microsoft.com/office/drawing/2014/main" xmlns="" val="2357327223"/>
                     </a:ext>
                   </a:extLst>
                 </a:gridCol>
                 <a:gridCol w="6361648">
                   <a:extLst>
                     <a:ext uri="{9D8B030D-6E8A-4147-A177-3AD203B41FA5}">
-                      <a16:colId xmlns:a16="http://schemas.microsoft.com/office/drawing/2014/main" val="3407994745"/>
+                      <a16:colId xmlns:a16="http://schemas.microsoft.com/office/drawing/2014/main" xmlns="" val="3407994745"/>
                     </a:ext>
                   </a:extLst>
                 </a:gridCol>
@@ -21777,7 +21956,7 @@
                 </a:tc>
                 <a:extLst>
                   <a:ext uri="{0D108BD9-81ED-4DB2-BD59-A6C34878D82A}">
-                    <a16:rowId xmlns:a16="http://schemas.microsoft.com/office/drawing/2014/main" val="1754130930"/>
+                    <a16:rowId xmlns:a16="http://schemas.microsoft.com/office/drawing/2014/main" xmlns="" val="1754130930"/>
                   </a:ext>
                 </a:extLst>
               </a:tr>
@@ -21831,7 +22010,7 @@
                 </a:tc>
                 <a:extLst>
                   <a:ext uri="{0D108BD9-81ED-4DB2-BD59-A6C34878D82A}">
-                    <a16:rowId xmlns:a16="http://schemas.microsoft.com/office/drawing/2014/main" val="2223836021"/>
+                    <a16:rowId xmlns:a16="http://schemas.microsoft.com/office/drawing/2014/main" xmlns="" val="2223836021"/>
                   </a:ext>
                 </a:extLst>
               </a:tr>
@@ -21873,7 +22052,7 @@
                 </a:tc>
                 <a:extLst>
                   <a:ext uri="{0D108BD9-81ED-4DB2-BD59-A6C34878D82A}">
-                    <a16:rowId xmlns:a16="http://schemas.microsoft.com/office/drawing/2014/main" val="1031035661"/>
+                    <a16:rowId xmlns:a16="http://schemas.microsoft.com/office/drawing/2014/main" xmlns="" val="1031035661"/>
                   </a:ext>
                 </a:extLst>
               </a:tr>
@@ -21927,7 +22106,7 @@
                 </a:tc>
                 <a:extLst>
                   <a:ext uri="{0D108BD9-81ED-4DB2-BD59-A6C34878D82A}">
-                    <a16:rowId xmlns:a16="http://schemas.microsoft.com/office/drawing/2014/main" val="41666311"/>
+                    <a16:rowId xmlns:a16="http://schemas.microsoft.com/office/drawing/2014/main" xmlns="" val="41666311"/>
                   </a:ext>
                 </a:extLst>
               </a:tr>
@@ -21969,7 +22148,7 @@
                 </a:tc>
                 <a:extLst>
                   <a:ext uri="{0D108BD9-81ED-4DB2-BD59-A6C34878D82A}">
-                    <a16:rowId xmlns:a16="http://schemas.microsoft.com/office/drawing/2014/main" val="3064916287"/>
+                    <a16:rowId xmlns:a16="http://schemas.microsoft.com/office/drawing/2014/main" xmlns="" val="3064916287"/>
                   </a:ext>
                 </a:extLst>
               </a:tr>
@@ -21991,7 +22170,7 @@
 </file>
 
 <file path=ppt/slides/slide3.xml><?xml version="1.0" encoding="utf-8"?>
-<p:sld xmlns:a="http://schemas.openxmlformats.org/drawingml/2006/main" xmlns:r="http://schemas.openxmlformats.org/officeDocument/2006/relationships" xmlns:p="http://schemas.openxmlformats.org/presentationml/2006/main">
+<p:sld xmlns:a="http://schemas.openxmlformats.org/drawingml/2006/main" xmlns:r="http://schemas.openxmlformats.org/officeDocument/2006/relationships" xmlns:p="http://schemas.openxmlformats.org/presentationml/2006/main" showMasterSp="0">
   <p:cSld>
     <p:spTree>
       <p:nvGrpSpPr>
@@ -22043,7 +22222,7 @@
 </file>
 
 <file path=ppt/slides/slide30.xml><?xml version="1.0" encoding="utf-8"?>
-<p:sld xmlns:a="http://schemas.openxmlformats.org/drawingml/2006/main" xmlns:r="http://schemas.openxmlformats.org/officeDocument/2006/relationships" xmlns:p="http://schemas.openxmlformats.org/presentationml/2006/main">
+<p:sld xmlns:a="http://schemas.openxmlformats.org/drawingml/2006/main" xmlns:r="http://schemas.openxmlformats.org/officeDocument/2006/relationships" xmlns:p="http://schemas.openxmlformats.org/presentationml/2006/main" showMasterSp="0">
   <p:cSld>
     <p:spTree>
       <p:nvGrpSpPr>
@@ -22252,7 +22431,7 @@
 </file>
 
 <file path=ppt/slides/slide31.xml><?xml version="1.0" encoding="utf-8"?>
-<p:sld xmlns:a="http://schemas.openxmlformats.org/drawingml/2006/main" xmlns:r="http://schemas.openxmlformats.org/officeDocument/2006/relationships" xmlns:p="http://schemas.openxmlformats.org/presentationml/2006/main">
+<p:sld xmlns:a="http://schemas.openxmlformats.org/drawingml/2006/main" xmlns:r="http://schemas.openxmlformats.org/officeDocument/2006/relationships" xmlns:p="http://schemas.openxmlformats.org/presentationml/2006/main" showMasterSp="0">
   <p:cSld>
     <p:spTree>
       <p:nvGrpSpPr>
@@ -22503,7 +22682,7 @@
 </file>
 
 <file path=ppt/slides/slide32.xml><?xml version="1.0" encoding="utf-8"?>
-<p:sld xmlns:a="http://schemas.openxmlformats.org/drawingml/2006/main" xmlns:r="http://schemas.openxmlformats.org/officeDocument/2006/relationships" xmlns:p="http://schemas.openxmlformats.org/presentationml/2006/main">
+<p:sld xmlns:a="http://schemas.openxmlformats.org/drawingml/2006/main" xmlns:r="http://schemas.openxmlformats.org/officeDocument/2006/relationships" xmlns:p="http://schemas.openxmlformats.org/presentationml/2006/main" showMasterSp="0">
   <p:cSld>
     <p:spTree>
       <p:nvGrpSpPr>
@@ -22683,7 +22862,7 @@
 </file>
 
 <file path=ppt/slides/slide33.xml><?xml version="1.0" encoding="utf-8"?>
-<p:sld xmlns:a="http://schemas.openxmlformats.org/drawingml/2006/main" xmlns:r="http://schemas.openxmlformats.org/officeDocument/2006/relationships" xmlns:p="http://schemas.openxmlformats.org/presentationml/2006/main">
+<p:sld xmlns:a="http://schemas.openxmlformats.org/drawingml/2006/main" xmlns:r="http://schemas.openxmlformats.org/officeDocument/2006/relationships" xmlns:p="http://schemas.openxmlformats.org/presentationml/2006/main" showMasterSp="0">
   <p:cSld>
     <p:spTree>
       <p:nvGrpSpPr>
@@ -22976,7 +23155,7 @@
 </file>
 
 <file path=ppt/slides/slide34.xml><?xml version="1.0" encoding="utf-8"?>
-<p:sld xmlns:a="http://schemas.openxmlformats.org/drawingml/2006/main" xmlns:r="http://schemas.openxmlformats.org/officeDocument/2006/relationships" xmlns:p="http://schemas.openxmlformats.org/presentationml/2006/main">
+<p:sld xmlns:a="http://schemas.openxmlformats.org/drawingml/2006/main" xmlns:r="http://schemas.openxmlformats.org/officeDocument/2006/relationships" xmlns:p="http://schemas.openxmlformats.org/presentationml/2006/main" showMasterSp="0">
   <p:cSld>
     <p:spTree>
       <p:nvGrpSpPr>
@@ -23089,7 +23268,7 @@
 </file>
 
 <file path=ppt/slides/slide35.xml><?xml version="1.0" encoding="utf-8"?>
-<p:sld xmlns:a="http://schemas.openxmlformats.org/drawingml/2006/main" xmlns:r="http://schemas.openxmlformats.org/officeDocument/2006/relationships" xmlns:p="http://schemas.openxmlformats.org/presentationml/2006/main">
+<p:sld xmlns:a="http://schemas.openxmlformats.org/drawingml/2006/main" xmlns:r="http://schemas.openxmlformats.org/officeDocument/2006/relationships" xmlns:p="http://schemas.openxmlformats.org/presentationml/2006/main" showMasterSp="0">
   <p:cSld>
     <p:spTree>
       <p:nvGrpSpPr>
@@ -23159,7 +23338,7 @@
 </file>
 
 <file path=ppt/slides/slide36.xml><?xml version="1.0" encoding="utf-8"?>
-<p:sld xmlns:a="http://schemas.openxmlformats.org/drawingml/2006/main" xmlns:r="http://schemas.openxmlformats.org/officeDocument/2006/relationships" xmlns:p="http://schemas.openxmlformats.org/presentationml/2006/main">
+<p:sld xmlns:a="http://schemas.openxmlformats.org/drawingml/2006/main" xmlns:r="http://schemas.openxmlformats.org/officeDocument/2006/relationships" xmlns:p="http://schemas.openxmlformats.org/presentationml/2006/main" showMasterSp="0">
   <p:cSld>
     <p:spTree>
       <p:nvGrpSpPr>
@@ -23499,6 +23678,16 @@
                 <a:cs typeface="Courier New" panose="02070309020205020404" pitchFamily="49" charset="0"/>
               </a:rPr>
             </a:br>
+            <a:r>
+              <a:rPr lang="en-US" altLang="en-US" sz="2200">
+                <a:solidFill>
+                  <a:srgbClr val="000000"/>
+                </a:solidFill>
+                <a:latin typeface="Courier New" panose="02070309020205020404" pitchFamily="49" charset="0"/>
+                <a:cs typeface="Courier New" panose="02070309020205020404" pitchFamily="49" charset="0"/>
+              </a:rPr>
+              <a:t/>
+            </a:r>
             <a:br>
               <a:rPr lang="en-US" altLang="en-US" sz="2200">
                 <a:solidFill>
@@ -23757,7 +23946,7 @@
 </file>
 
 <file path=ppt/slides/slide37.xml><?xml version="1.0" encoding="utf-8"?>
-<p:sld xmlns:a="http://schemas.openxmlformats.org/drawingml/2006/main" xmlns:r="http://schemas.openxmlformats.org/officeDocument/2006/relationships" xmlns:p="http://schemas.openxmlformats.org/presentationml/2006/main">
+<p:sld xmlns:a="http://schemas.openxmlformats.org/drawingml/2006/main" xmlns:r="http://schemas.openxmlformats.org/officeDocument/2006/relationships" xmlns:p="http://schemas.openxmlformats.org/presentationml/2006/main" showMasterSp="0">
   <p:cSld>
     <p:spTree>
       <p:nvGrpSpPr>
@@ -23913,7 +24102,7 @@
 </file>
 
 <file path=ppt/slides/slide38.xml><?xml version="1.0" encoding="utf-8"?>
-<p:sld xmlns:a="http://schemas.openxmlformats.org/drawingml/2006/main" xmlns:r="http://schemas.openxmlformats.org/officeDocument/2006/relationships" xmlns:p="http://schemas.openxmlformats.org/presentationml/2006/main">
+<p:sld xmlns:a="http://schemas.openxmlformats.org/drawingml/2006/main" xmlns:r="http://schemas.openxmlformats.org/officeDocument/2006/relationships" xmlns:p="http://schemas.openxmlformats.org/presentationml/2006/main" showMasterSp="0">
   <p:cSld>
     <p:spTree>
       <p:nvGrpSpPr>
@@ -24101,7 +24290,7 @@
 </file>
 
 <file path=ppt/slides/slide39.xml><?xml version="1.0" encoding="utf-8"?>
-<p:sld xmlns:a="http://schemas.openxmlformats.org/drawingml/2006/main" xmlns:r="http://schemas.openxmlformats.org/officeDocument/2006/relationships" xmlns:p="http://schemas.openxmlformats.org/presentationml/2006/main">
+<p:sld xmlns:a="http://schemas.openxmlformats.org/drawingml/2006/main" xmlns:r="http://schemas.openxmlformats.org/officeDocument/2006/relationships" xmlns:p="http://schemas.openxmlformats.org/presentationml/2006/main" showMasterSp="0">
   <p:cSld>
     <p:spTree>
       <p:nvGrpSpPr>
@@ -24197,7 +24386,7 @@
 </file>
 
 <file path=ppt/slides/slide4.xml><?xml version="1.0" encoding="utf-8"?>
-<p:sld xmlns:a="http://schemas.openxmlformats.org/drawingml/2006/main" xmlns:r="http://schemas.openxmlformats.org/officeDocument/2006/relationships" xmlns:p="http://schemas.openxmlformats.org/presentationml/2006/main">
+<p:sld xmlns:a="http://schemas.openxmlformats.org/drawingml/2006/main" xmlns:r="http://schemas.openxmlformats.org/officeDocument/2006/relationships" xmlns:p="http://schemas.openxmlformats.org/presentationml/2006/main" showMasterSp="0">
   <p:cSld>
     <p:spTree>
       <p:nvGrpSpPr>
@@ -24368,7 +24557,7 @@
 </file>
 
 <file path=ppt/slides/slide40.xml><?xml version="1.0" encoding="utf-8"?>
-<p:sld xmlns:a="http://schemas.openxmlformats.org/drawingml/2006/main" xmlns:r="http://schemas.openxmlformats.org/officeDocument/2006/relationships" xmlns:p="http://schemas.openxmlformats.org/presentationml/2006/main">
+<p:sld xmlns:a="http://schemas.openxmlformats.org/drawingml/2006/main" xmlns:r="http://schemas.openxmlformats.org/officeDocument/2006/relationships" xmlns:p="http://schemas.openxmlformats.org/presentationml/2006/main" showMasterSp="0">
   <p:cSld>
     <p:spTree>
       <p:nvGrpSpPr>
@@ -24489,7 +24678,7 @@
 </file>
 
 <file path=ppt/slides/slide41.xml><?xml version="1.0" encoding="utf-8"?>
-<p:sld xmlns:a="http://schemas.openxmlformats.org/drawingml/2006/main" xmlns:r="http://schemas.openxmlformats.org/officeDocument/2006/relationships" xmlns:p="http://schemas.openxmlformats.org/presentationml/2006/main">
+<p:sld xmlns:a="http://schemas.openxmlformats.org/drawingml/2006/main" xmlns:r="http://schemas.openxmlformats.org/officeDocument/2006/relationships" xmlns:p="http://schemas.openxmlformats.org/presentationml/2006/main" showMasterSp="0">
   <p:cSld>
     <p:spTree>
       <p:nvGrpSpPr>
@@ -24772,7 +24961,7 @@
 </file>
 
 <file path=ppt/slides/slide42.xml><?xml version="1.0" encoding="utf-8"?>
-<p:sld xmlns:a="http://schemas.openxmlformats.org/drawingml/2006/main" xmlns:r="http://schemas.openxmlformats.org/officeDocument/2006/relationships" xmlns:p="http://schemas.openxmlformats.org/presentationml/2006/main">
+<p:sld xmlns:a="http://schemas.openxmlformats.org/drawingml/2006/main" xmlns:r="http://schemas.openxmlformats.org/officeDocument/2006/relationships" xmlns:p="http://schemas.openxmlformats.org/presentationml/2006/main" showMasterSp="0">
   <p:cSld>
     <p:spTree>
       <p:nvGrpSpPr>
@@ -24955,7 +25144,7 @@
 </file>
 
 <file path=ppt/slides/slide43.xml><?xml version="1.0" encoding="utf-8"?>
-<p:sld xmlns:a="http://schemas.openxmlformats.org/drawingml/2006/main" xmlns:r="http://schemas.openxmlformats.org/officeDocument/2006/relationships" xmlns:p="http://schemas.openxmlformats.org/presentationml/2006/main">
+<p:sld xmlns:a="http://schemas.openxmlformats.org/drawingml/2006/main" xmlns:r="http://schemas.openxmlformats.org/officeDocument/2006/relationships" xmlns:p="http://schemas.openxmlformats.org/presentationml/2006/main" showMasterSp="0">
   <p:cSld>
     <p:spTree>
       <p:nvGrpSpPr>
@@ -25125,7 +25314,7 @@
 </file>
 
 <file path=ppt/slides/slide44.xml><?xml version="1.0" encoding="utf-8"?>
-<p:sld xmlns:a="http://schemas.openxmlformats.org/drawingml/2006/main" xmlns:r="http://schemas.openxmlformats.org/officeDocument/2006/relationships" xmlns:p="http://schemas.openxmlformats.org/presentationml/2006/main">
+<p:sld xmlns:a="http://schemas.openxmlformats.org/drawingml/2006/main" xmlns:r="http://schemas.openxmlformats.org/officeDocument/2006/relationships" xmlns:p="http://schemas.openxmlformats.org/presentationml/2006/main" showMasterSp="0">
   <p:cSld>
     <p:spTree>
       <p:nvGrpSpPr>
@@ -25265,7 +25454,7 @@
 </file>
 
 <file path=ppt/slides/slide45.xml><?xml version="1.0" encoding="utf-8"?>
-<p:sld xmlns:a="http://schemas.openxmlformats.org/drawingml/2006/main" xmlns:r="http://schemas.openxmlformats.org/officeDocument/2006/relationships" xmlns:p="http://schemas.openxmlformats.org/presentationml/2006/main">
+<p:sld xmlns:a="http://schemas.openxmlformats.org/drawingml/2006/main" xmlns:r="http://schemas.openxmlformats.org/officeDocument/2006/relationships" xmlns:p="http://schemas.openxmlformats.org/presentationml/2006/main" showMasterSp="0">
   <p:cSld>
     <p:spTree>
       <p:nvGrpSpPr>
@@ -25318,7 +25507,7 @@
 </file>
 
 <file path=ppt/slides/slide46.xml><?xml version="1.0" encoding="utf-8"?>
-<p:sld xmlns:a="http://schemas.openxmlformats.org/drawingml/2006/main" xmlns:r="http://schemas.openxmlformats.org/officeDocument/2006/relationships" xmlns:p="http://schemas.openxmlformats.org/presentationml/2006/main">
+<p:sld xmlns:a="http://schemas.openxmlformats.org/drawingml/2006/main" xmlns:r="http://schemas.openxmlformats.org/officeDocument/2006/relationships" xmlns:p="http://schemas.openxmlformats.org/presentationml/2006/main" showMasterSp="0">
   <p:cSld>
     <p:spTree>
       <p:nvGrpSpPr>
@@ -25477,7 +25666,7 @@
 </file>
 
 <file path=ppt/slides/slide47.xml><?xml version="1.0" encoding="utf-8"?>
-<p:sld xmlns:a="http://schemas.openxmlformats.org/drawingml/2006/main" xmlns:r="http://schemas.openxmlformats.org/officeDocument/2006/relationships" xmlns:p="http://schemas.openxmlformats.org/presentationml/2006/main">
+<p:sld xmlns:a="http://schemas.openxmlformats.org/drawingml/2006/main" xmlns:r="http://schemas.openxmlformats.org/officeDocument/2006/relationships" xmlns:p="http://schemas.openxmlformats.org/presentationml/2006/main" showMasterSp="0">
   <p:cSld>
     <p:spTree>
       <p:nvGrpSpPr>
@@ -25605,7 +25794,7 @@
 </file>
 
 <file path=ppt/slides/slide48.xml><?xml version="1.0" encoding="utf-8"?>
-<p:sld xmlns:a="http://schemas.openxmlformats.org/drawingml/2006/main" xmlns:r="http://schemas.openxmlformats.org/officeDocument/2006/relationships" xmlns:p="http://schemas.openxmlformats.org/presentationml/2006/main">
+<p:sld xmlns:a="http://schemas.openxmlformats.org/drawingml/2006/main" xmlns:r="http://schemas.openxmlformats.org/officeDocument/2006/relationships" xmlns:p="http://schemas.openxmlformats.org/presentationml/2006/main" showMasterSp="0">
   <p:cSld>
     <p:spTree>
       <p:nvGrpSpPr>
@@ -25730,7 +25919,7 @@
 </file>
 
 <file path=ppt/slides/slide49.xml><?xml version="1.0" encoding="utf-8"?>
-<p:sld xmlns:a="http://schemas.openxmlformats.org/drawingml/2006/main" xmlns:r="http://schemas.openxmlformats.org/officeDocument/2006/relationships" xmlns:p="http://schemas.openxmlformats.org/presentationml/2006/main">
+<p:sld xmlns:a="http://schemas.openxmlformats.org/drawingml/2006/main" xmlns:r="http://schemas.openxmlformats.org/officeDocument/2006/relationships" xmlns:p="http://schemas.openxmlformats.org/presentationml/2006/main" showMasterSp="0">
   <p:cSld>
     <p:spTree>
       <p:nvGrpSpPr>
@@ -25804,7 +25993,7 @@
 </file>
 
 <file path=ppt/slides/slide5.xml><?xml version="1.0" encoding="utf-8"?>
-<p:sld xmlns:a="http://schemas.openxmlformats.org/drawingml/2006/main" xmlns:r="http://schemas.openxmlformats.org/officeDocument/2006/relationships" xmlns:p="http://schemas.openxmlformats.org/presentationml/2006/main">
+<p:sld xmlns:a="http://schemas.openxmlformats.org/drawingml/2006/main" xmlns:r="http://schemas.openxmlformats.org/officeDocument/2006/relationships" xmlns:p="http://schemas.openxmlformats.org/presentationml/2006/main" showMasterSp="0">
   <p:cSld>
     <p:spTree>
       <p:nvGrpSpPr>
@@ -25883,7 +26072,7 @@
 </file>
 
 <file path=ppt/slides/slide50.xml><?xml version="1.0" encoding="utf-8"?>
-<p:sld xmlns:a="http://schemas.openxmlformats.org/drawingml/2006/main" xmlns:r="http://schemas.openxmlformats.org/officeDocument/2006/relationships" xmlns:p="http://schemas.openxmlformats.org/presentationml/2006/main">
+<p:sld xmlns:a="http://schemas.openxmlformats.org/drawingml/2006/main" xmlns:r="http://schemas.openxmlformats.org/officeDocument/2006/relationships" xmlns:p="http://schemas.openxmlformats.org/presentationml/2006/main" showMasterSp="0">
   <p:cSld>
     <p:spTree>
       <p:nvGrpSpPr>
@@ -26073,7 +26262,7 @@
 </file>
 
 <file path=ppt/slides/slide51.xml><?xml version="1.0" encoding="utf-8"?>
-<p:sld xmlns:a="http://schemas.openxmlformats.org/drawingml/2006/main" xmlns:r="http://schemas.openxmlformats.org/officeDocument/2006/relationships" xmlns:p="http://schemas.openxmlformats.org/presentationml/2006/main">
+<p:sld xmlns:a="http://schemas.openxmlformats.org/drawingml/2006/main" xmlns:r="http://schemas.openxmlformats.org/officeDocument/2006/relationships" xmlns:p="http://schemas.openxmlformats.org/presentationml/2006/main" showMasterSp="0">
   <p:cSld>
     <p:spTree>
       <p:nvGrpSpPr>
@@ -26347,7 +26536,7 @@
 </file>
 
 <file path=ppt/slides/slide52.xml><?xml version="1.0" encoding="utf-8"?>
-<p:sld xmlns:a="http://schemas.openxmlformats.org/drawingml/2006/main" xmlns:r="http://schemas.openxmlformats.org/officeDocument/2006/relationships" xmlns:p="http://schemas.openxmlformats.org/presentationml/2006/main">
+<p:sld xmlns:a="http://schemas.openxmlformats.org/drawingml/2006/main" xmlns:r="http://schemas.openxmlformats.org/officeDocument/2006/relationships" xmlns:p="http://schemas.openxmlformats.org/presentationml/2006/main" showMasterSp="0">
   <p:cSld>
     <p:spTree>
       <p:nvGrpSpPr>
@@ -26582,7 +26771,7 @@
 </file>
 
 <file path=ppt/slides/slide53.xml><?xml version="1.0" encoding="utf-8"?>
-<p:sld xmlns:a="http://schemas.openxmlformats.org/drawingml/2006/main" xmlns:r="http://schemas.openxmlformats.org/officeDocument/2006/relationships" xmlns:p="http://schemas.openxmlformats.org/presentationml/2006/main">
+<p:sld xmlns:a="http://schemas.openxmlformats.org/drawingml/2006/main" xmlns:r="http://schemas.openxmlformats.org/officeDocument/2006/relationships" xmlns:p="http://schemas.openxmlformats.org/presentationml/2006/main" showMasterSp="0">
   <p:cSld>
     <p:spTree>
       <p:nvGrpSpPr>
@@ -26779,7 +26968,7 @@
 </file>
 
 <file path=ppt/slides/slide54.xml><?xml version="1.0" encoding="utf-8"?>
-<p:sld xmlns:a="http://schemas.openxmlformats.org/drawingml/2006/main" xmlns:r="http://schemas.openxmlformats.org/officeDocument/2006/relationships" xmlns:p="http://schemas.openxmlformats.org/presentationml/2006/main">
+<p:sld xmlns:a="http://schemas.openxmlformats.org/drawingml/2006/main" xmlns:r="http://schemas.openxmlformats.org/officeDocument/2006/relationships" xmlns:p="http://schemas.openxmlformats.org/presentationml/2006/main" showMasterSp="0">
   <p:cSld>
     <p:spTree>
       <p:nvGrpSpPr>
@@ -26928,7 +27117,7 @@
 </file>
 
 <file path=ppt/slides/slide55.xml><?xml version="1.0" encoding="utf-8"?>
-<p:sld xmlns:a="http://schemas.openxmlformats.org/drawingml/2006/main" xmlns:r="http://schemas.openxmlformats.org/officeDocument/2006/relationships" xmlns:p="http://schemas.openxmlformats.org/presentationml/2006/main">
+<p:sld xmlns:a="http://schemas.openxmlformats.org/drawingml/2006/main" xmlns:r="http://schemas.openxmlformats.org/officeDocument/2006/relationships" xmlns:p="http://schemas.openxmlformats.org/presentationml/2006/main" showMasterSp="0">
   <p:cSld>
     <p:spTree>
       <p:nvGrpSpPr>
@@ -27104,7 +27293,7 @@
 </file>
 
 <file path=ppt/slides/slide56.xml><?xml version="1.0" encoding="utf-8"?>
-<p:sld xmlns:a="http://schemas.openxmlformats.org/drawingml/2006/main" xmlns:r="http://schemas.openxmlformats.org/officeDocument/2006/relationships" xmlns:p="http://schemas.openxmlformats.org/presentationml/2006/main">
+<p:sld xmlns:a="http://schemas.openxmlformats.org/drawingml/2006/main" xmlns:r="http://schemas.openxmlformats.org/officeDocument/2006/relationships" xmlns:p="http://schemas.openxmlformats.org/presentationml/2006/main" showMasterSp="0">
   <p:cSld>
     <p:spTree>
       <p:nvGrpSpPr>
@@ -27268,7 +27457,7 @@
 </file>
 
 <file path=ppt/slides/slide57.xml><?xml version="1.0" encoding="utf-8"?>
-<p:sld xmlns:a="http://schemas.openxmlformats.org/drawingml/2006/main" xmlns:r="http://schemas.openxmlformats.org/officeDocument/2006/relationships" xmlns:p="http://schemas.openxmlformats.org/presentationml/2006/main">
+<p:sld xmlns:a="http://schemas.openxmlformats.org/drawingml/2006/main" xmlns:r="http://schemas.openxmlformats.org/officeDocument/2006/relationships" xmlns:p="http://schemas.openxmlformats.org/presentationml/2006/main" showMasterSp="0">
   <p:cSld>
     <p:spTree>
       <p:nvGrpSpPr>
@@ -27434,7 +27623,7 @@
 </file>
 
 <file path=ppt/slides/slide58.xml><?xml version="1.0" encoding="utf-8"?>
-<p:sld xmlns:a="http://schemas.openxmlformats.org/drawingml/2006/main" xmlns:r="http://schemas.openxmlformats.org/officeDocument/2006/relationships" xmlns:p="http://schemas.openxmlformats.org/presentationml/2006/main">
+<p:sld xmlns:a="http://schemas.openxmlformats.org/drawingml/2006/main" xmlns:r="http://schemas.openxmlformats.org/officeDocument/2006/relationships" xmlns:p="http://schemas.openxmlformats.org/presentationml/2006/main" showMasterSp="0">
   <p:cSld>
     <p:spTree>
       <p:nvGrpSpPr>
@@ -27487,7 +27676,7 @@
 </file>
 
 <file path=ppt/slides/slide59.xml><?xml version="1.0" encoding="utf-8"?>
-<p:sld xmlns:a="http://schemas.openxmlformats.org/drawingml/2006/main" xmlns:r="http://schemas.openxmlformats.org/officeDocument/2006/relationships" xmlns:p="http://schemas.openxmlformats.org/presentationml/2006/main">
+<p:sld xmlns:a="http://schemas.openxmlformats.org/drawingml/2006/main" xmlns:r="http://schemas.openxmlformats.org/officeDocument/2006/relationships" xmlns:p="http://schemas.openxmlformats.org/presentationml/2006/main" showMasterSp="0">
   <p:cSld>
     <p:spTree>
       <p:nvGrpSpPr>
@@ -27624,7 +27813,7 @@
 </file>
 
 <file path=ppt/slides/slide6.xml><?xml version="1.0" encoding="utf-8"?>
-<p:sld xmlns:a="http://schemas.openxmlformats.org/drawingml/2006/main" xmlns:r="http://schemas.openxmlformats.org/officeDocument/2006/relationships" xmlns:p="http://schemas.openxmlformats.org/presentationml/2006/main">
+<p:sld xmlns:a="http://schemas.openxmlformats.org/drawingml/2006/main" xmlns:r="http://schemas.openxmlformats.org/officeDocument/2006/relationships" xmlns:p="http://schemas.openxmlformats.org/presentationml/2006/main" showMasterSp="0">
   <p:cSld>
     <p:spTree>
       <p:nvGrpSpPr>
@@ -27667,7 +27856,7 @@
           <p:cNvPr id="6" name="Picture 5">
             <a:extLst>
               <a:ext uri="{FF2B5EF4-FFF2-40B4-BE49-F238E27FC236}">
-                <a16:creationId xmlns:a16="http://schemas.microsoft.com/office/drawing/2014/main" id="{80821A5A-A4C1-4D33-B73A-47F77ADD66E6}"/>
+                <a16:creationId xmlns:a16="http://schemas.microsoft.com/office/drawing/2014/main" xmlns="" id="{80821A5A-A4C1-4D33-B73A-47F77ADD66E6}"/>
               </a:ext>
             </a:extLst>
           </p:cNvPr>
@@ -27697,7 +27886,7 @@
           <p:cNvPr id="7" name="Rectangle 6">
             <a:extLst>
               <a:ext uri="{FF2B5EF4-FFF2-40B4-BE49-F238E27FC236}">
-                <a16:creationId xmlns:a16="http://schemas.microsoft.com/office/drawing/2014/main" id="{B7BCE546-E8A6-4A7A-B2A4-AF1BB4007A19}"/>
+                <a16:creationId xmlns:a16="http://schemas.microsoft.com/office/drawing/2014/main" xmlns="" id="{B7BCE546-E8A6-4A7A-B2A4-AF1BB4007A19}"/>
               </a:ext>
             </a:extLst>
           </p:cNvPr>
@@ -27743,7 +27932,7 @@
           <p:cNvPr id="8" name="Rectangle 7">
             <a:extLst>
               <a:ext uri="{FF2B5EF4-FFF2-40B4-BE49-F238E27FC236}">
-                <a16:creationId xmlns:a16="http://schemas.microsoft.com/office/drawing/2014/main" id="{9678FE28-FCDF-43E3-A7D1-D31F33EC6DD1}"/>
+                <a16:creationId xmlns:a16="http://schemas.microsoft.com/office/drawing/2014/main" xmlns="" id="{9678FE28-FCDF-43E3-A7D1-D31F33EC6DD1}"/>
               </a:ext>
             </a:extLst>
           </p:cNvPr>
@@ -27789,7 +27978,7 @@
           <p:cNvPr id="10" name="Straight Arrow Connector 9">
             <a:extLst>
               <a:ext uri="{FF2B5EF4-FFF2-40B4-BE49-F238E27FC236}">
-                <a16:creationId xmlns:a16="http://schemas.microsoft.com/office/drawing/2014/main" id="{5FAC1132-6F1F-48E1-94C9-A0BB3C4A8A72}"/>
+                <a16:creationId xmlns:a16="http://schemas.microsoft.com/office/drawing/2014/main" xmlns="" id="{5FAC1132-6F1F-48E1-94C9-A0BB3C4A8A72}"/>
               </a:ext>
             </a:extLst>
           </p:cNvPr>
@@ -27833,7 +28022,7 @@
           <p:cNvPr id="14" name="Straight Arrow Connector 13">
             <a:extLst>
               <a:ext uri="{FF2B5EF4-FFF2-40B4-BE49-F238E27FC236}">
-                <a16:creationId xmlns:a16="http://schemas.microsoft.com/office/drawing/2014/main" id="{CC61C076-DA89-49E9-A2FD-F2405721737C}"/>
+                <a16:creationId xmlns:a16="http://schemas.microsoft.com/office/drawing/2014/main" xmlns="" id="{CC61C076-DA89-49E9-A2FD-F2405721737C}"/>
               </a:ext>
             </a:extLst>
           </p:cNvPr>
@@ -27876,7 +28065,7 @@
           <p:cNvPr id="15" name="TextBox 14">
             <a:extLst>
               <a:ext uri="{FF2B5EF4-FFF2-40B4-BE49-F238E27FC236}">
-                <a16:creationId xmlns:a16="http://schemas.microsoft.com/office/drawing/2014/main" id="{46D40898-F18E-4592-97A2-9E0263E69C41}"/>
+                <a16:creationId xmlns:a16="http://schemas.microsoft.com/office/drawing/2014/main" xmlns="" id="{46D40898-F18E-4592-97A2-9E0263E69C41}"/>
               </a:ext>
             </a:extLst>
           </p:cNvPr>
@@ -27911,7 +28100,7 @@
           <p:cNvPr id="16" name="Straight Arrow Connector 15">
             <a:extLst>
               <a:ext uri="{FF2B5EF4-FFF2-40B4-BE49-F238E27FC236}">
-                <a16:creationId xmlns:a16="http://schemas.microsoft.com/office/drawing/2014/main" id="{131C3A9A-26EA-4696-B9CD-BCEE4C6FD9A0}"/>
+                <a16:creationId xmlns:a16="http://schemas.microsoft.com/office/drawing/2014/main" xmlns="" id="{131C3A9A-26EA-4696-B9CD-BCEE4C6FD9A0}"/>
               </a:ext>
             </a:extLst>
           </p:cNvPr>
@@ -27953,7 +28142,7 @@
           <p:cNvPr id="20" name="TextBox 19">
             <a:extLst>
               <a:ext uri="{FF2B5EF4-FFF2-40B4-BE49-F238E27FC236}">
-                <a16:creationId xmlns:a16="http://schemas.microsoft.com/office/drawing/2014/main" id="{A4AD4F67-07B4-4EB0-AA99-9086EDA646AE}"/>
+                <a16:creationId xmlns:a16="http://schemas.microsoft.com/office/drawing/2014/main" xmlns="" id="{A4AD4F67-07B4-4EB0-AA99-9086EDA646AE}"/>
               </a:ext>
             </a:extLst>
           </p:cNvPr>
@@ -28003,7 +28192,7 @@
 </file>
 
 <file path=ppt/slides/slide7.xml><?xml version="1.0" encoding="utf-8"?>
-<p:sld xmlns:a="http://schemas.openxmlformats.org/drawingml/2006/main" xmlns:r="http://schemas.openxmlformats.org/officeDocument/2006/relationships" xmlns:p="http://schemas.openxmlformats.org/presentationml/2006/main">
+<p:sld xmlns:a="http://schemas.openxmlformats.org/drawingml/2006/main" xmlns:r="http://schemas.openxmlformats.org/officeDocument/2006/relationships" xmlns:p="http://schemas.openxmlformats.org/presentationml/2006/main" showMasterSp="0">
   <p:cSld>
     <p:spTree>
       <p:nvGrpSpPr>
@@ -28024,7 +28213,7 @@
           <p:cNvPr id="2" name="Title 1">
             <a:extLst>
               <a:ext uri="{FF2B5EF4-FFF2-40B4-BE49-F238E27FC236}">
-                <a16:creationId xmlns:a16="http://schemas.microsoft.com/office/drawing/2014/main" id="{3CE0CA2D-0F14-44E7-8560-387CA36E4DA6}"/>
+                <a16:creationId xmlns:a16="http://schemas.microsoft.com/office/drawing/2014/main" xmlns="" id="{3CE0CA2D-0F14-44E7-8560-387CA36E4DA6}"/>
               </a:ext>
             </a:extLst>
           </p:cNvPr>
@@ -28052,7 +28241,7 @@
           <p:cNvPr id="3" name="Text Placeholder 2">
             <a:extLst>
               <a:ext uri="{FF2B5EF4-FFF2-40B4-BE49-F238E27FC236}">
-                <a16:creationId xmlns:a16="http://schemas.microsoft.com/office/drawing/2014/main" id="{EAB3FB65-5867-41A4-9764-483038D233C4}"/>
+                <a16:creationId xmlns:a16="http://schemas.microsoft.com/office/drawing/2014/main" xmlns="" id="{EAB3FB65-5867-41A4-9764-483038D233C4}"/>
               </a:ext>
             </a:extLst>
           </p:cNvPr>
@@ -28111,7 +28300,7 @@
 </file>
 
 <file path=ppt/slides/slide8.xml><?xml version="1.0" encoding="utf-8"?>
-<p:sld xmlns:a="http://schemas.openxmlformats.org/drawingml/2006/main" xmlns:r="http://schemas.openxmlformats.org/officeDocument/2006/relationships" xmlns:p="http://schemas.openxmlformats.org/presentationml/2006/main">
+<p:sld xmlns:a="http://schemas.openxmlformats.org/drawingml/2006/main" xmlns:r="http://schemas.openxmlformats.org/officeDocument/2006/relationships" xmlns:p="http://schemas.openxmlformats.org/presentationml/2006/main" showMasterSp="0">
   <p:cSld>
     <p:spTree>
       <p:nvGrpSpPr>
@@ -28132,7 +28321,7 @@
           <p:cNvPr id="2" name="Title 1">
             <a:extLst>
               <a:ext uri="{FF2B5EF4-FFF2-40B4-BE49-F238E27FC236}">
-                <a16:creationId xmlns:a16="http://schemas.microsoft.com/office/drawing/2014/main" id="{3CE0CA2D-0F14-44E7-8560-387CA36E4DA6}"/>
+                <a16:creationId xmlns:a16="http://schemas.microsoft.com/office/drawing/2014/main" xmlns="" id="{3CE0CA2D-0F14-44E7-8560-387CA36E4DA6}"/>
               </a:ext>
             </a:extLst>
           </p:cNvPr>
@@ -28160,7 +28349,7 @@
           <p:cNvPr id="3" name="Text Placeholder 2">
             <a:extLst>
               <a:ext uri="{FF2B5EF4-FFF2-40B4-BE49-F238E27FC236}">
-                <a16:creationId xmlns:a16="http://schemas.microsoft.com/office/drawing/2014/main" id="{EAB3FB65-5867-41A4-9764-483038D233C4}"/>
+                <a16:creationId xmlns:a16="http://schemas.microsoft.com/office/drawing/2014/main" xmlns="" id="{EAB3FB65-5867-41A4-9764-483038D233C4}"/>
               </a:ext>
             </a:extLst>
           </p:cNvPr>
@@ -28283,7 +28472,7 @@
           <p:cNvPr id="6" name="Picture 5">
             <a:extLst>
               <a:ext uri="{FF2B5EF4-FFF2-40B4-BE49-F238E27FC236}">
-                <a16:creationId xmlns:a16="http://schemas.microsoft.com/office/drawing/2014/main" id="{8FDFE005-38BC-48D9-BFD9-F1C04D7A6FFF}"/>
+                <a16:creationId xmlns:a16="http://schemas.microsoft.com/office/drawing/2014/main" xmlns="" id="{8FDFE005-38BC-48D9-BFD9-F1C04D7A6FFF}"/>
               </a:ext>
             </a:extLst>
           </p:cNvPr>
@@ -28313,7 +28502,7 @@
           <p:cNvPr id="7" name="Rectangle 6">
             <a:extLst>
               <a:ext uri="{FF2B5EF4-FFF2-40B4-BE49-F238E27FC236}">
-                <a16:creationId xmlns:a16="http://schemas.microsoft.com/office/drawing/2014/main" id="{2D7485BE-5980-4441-BD97-27D9BCF5D4D1}"/>
+                <a16:creationId xmlns:a16="http://schemas.microsoft.com/office/drawing/2014/main" xmlns="" id="{2D7485BE-5980-4441-BD97-27D9BCF5D4D1}"/>
               </a:ext>
             </a:extLst>
           </p:cNvPr>
@@ -28368,7 +28557,7 @@
 </file>
 
 <file path=ppt/slides/slide9.xml><?xml version="1.0" encoding="utf-8"?>
-<p:sld xmlns:a="http://schemas.openxmlformats.org/drawingml/2006/main" xmlns:r="http://schemas.openxmlformats.org/officeDocument/2006/relationships" xmlns:p="http://schemas.openxmlformats.org/presentationml/2006/main">
+<p:sld xmlns:a="http://schemas.openxmlformats.org/drawingml/2006/main" xmlns:r="http://schemas.openxmlformats.org/officeDocument/2006/relationships" xmlns:p="http://schemas.openxmlformats.org/presentationml/2006/main" showMasterSp="0">
   <p:cSld>
     <p:spTree>
       <p:nvGrpSpPr>
@@ -28389,7 +28578,7 @@
           <p:cNvPr id="2" name="Title 1">
             <a:extLst>
               <a:ext uri="{FF2B5EF4-FFF2-40B4-BE49-F238E27FC236}">
-                <a16:creationId xmlns:a16="http://schemas.microsoft.com/office/drawing/2014/main" id="{90066ACC-66E2-47E8-BB27-049E9B8D7A78}"/>
+                <a16:creationId xmlns:a16="http://schemas.microsoft.com/office/drawing/2014/main" xmlns="" id="{90066ACC-66E2-47E8-BB27-049E9B8D7A78}"/>
               </a:ext>
             </a:extLst>
           </p:cNvPr>
@@ -28417,7 +28606,7 @@
           <p:cNvPr id="3" name="Text Placeholder 2">
             <a:extLst>
               <a:ext uri="{FF2B5EF4-FFF2-40B4-BE49-F238E27FC236}">
-                <a16:creationId xmlns:a16="http://schemas.microsoft.com/office/drawing/2014/main" id="{96FD4C6C-49AC-4097-8E9E-7CBF39E2A316}"/>
+                <a16:creationId xmlns:a16="http://schemas.microsoft.com/office/drawing/2014/main" xmlns="" id="{96FD4C6C-49AC-4097-8E9E-7CBF39E2A316}"/>
               </a:ext>
             </a:extLst>
           </p:cNvPr>
@@ -28445,7 +28634,7 @@
           <p:cNvPr id="4" name="Rectangle 3">
             <a:extLst>
               <a:ext uri="{FF2B5EF4-FFF2-40B4-BE49-F238E27FC236}">
-                <a16:creationId xmlns:a16="http://schemas.microsoft.com/office/drawing/2014/main" id="{43AED02A-FD46-4ADE-B211-31E9F1E5C5EB}"/>
+                <a16:creationId xmlns:a16="http://schemas.microsoft.com/office/drawing/2014/main" xmlns="" id="{43AED02A-FD46-4ADE-B211-31E9F1E5C5EB}"/>
               </a:ext>
             </a:extLst>
           </p:cNvPr>
@@ -28506,7 +28695,7 @@
           <p:cNvPr id="5" name="Picture 4">
             <a:extLst>
               <a:ext uri="{FF2B5EF4-FFF2-40B4-BE49-F238E27FC236}">
-                <a16:creationId xmlns:a16="http://schemas.microsoft.com/office/drawing/2014/main" id="{F0EC9875-49A9-48F2-9FA9-338A8F020F59}"/>
+                <a16:creationId xmlns:a16="http://schemas.microsoft.com/office/drawing/2014/main" xmlns="" id="{F0EC9875-49A9-48F2-9FA9-338A8F020F59}"/>
               </a:ext>
             </a:extLst>
           </p:cNvPr>
@@ -28536,7 +28725,7 @@
           <p:cNvPr id="6" name="Rectangle 5">
             <a:extLst>
               <a:ext uri="{FF2B5EF4-FFF2-40B4-BE49-F238E27FC236}">
-                <a16:creationId xmlns:a16="http://schemas.microsoft.com/office/drawing/2014/main" id="{A69FE2E2-294C-40DC-83B6-05E042ED17AD}"/>
+                <a16:creationId xmlns:a16="http://schemas.microsoft.com/office/drawing/2014/main" xmlns="" id="{A69FE2E2-294C-40DC-83B6-05E042ED17AD}"/>
               </a:ext>
             </a:extLst>
           </p:cNvPr>

--- a/Angular Traning Data/presentation/01-03 Angular JS v 3.0.pptx
+++ b/Angular Traning Data/presentation/01-03 Angular JS v 3.0.pptx
@@ -17609,132 +17609,6 @@
           </a:p>
         </p:txBody>
       </p:sp>
-      <p:sp>
-        <p:nvSpPr>
-          <p:cNvPr id="8" name="Footer Placeholder 8"/>
-          <p:cNvSpPr txBox="1">
-            <a:spLocks/>
-          </p:cNvSpPr>
-          <p:nvPr/>
-        </p:nvSpPr>
-        <p:spPr>
-          <a:xfrm>
-            <a:off x="463816" y="6546621"/>
-            <a:ext cx="2895600" cy="143568"/>
-          </a:xfrm>
-          <a:prstGeom prst="rect">
-            <a:avLst/>
-          </a:prstGeom>
-        </p:spPr>
-        <p:txBody>
-          <a:bodyPr lIns="0" tIns="0" rIns="0" bIns="0" anchor="b"/>
-          <a:lstStyle>
-            <a:defPPr>
-              <a:defRPr lang="en-US"/>
-            </a:defPPr>
-            <a:lvl1pPr marL="0" algn="l" defTabSz="914400" rtl="0" eaLnBrk="1" latinLnBrk="0" hangingPunct="1">
-              <a:defRPr sz="1800" kern="1200">
-                <a:solidFill>
-                  <a:schemeClr val="tx1"/>
-                </a:solidFill>
-                <a:latin typeface="+mn-lt"/>
-                <a:ea typeface="+mn-ea"/>
-                <a:cs typeface="+mn-cs"/>
-              </a:defRPr>
-            </a:lvl1pPr>
-            <a:lvl2pPr marL="457200" algn="l" defTabSz="914400" rtl="0" eaLnBrk="1" latinLnBrk="0" hangingPunct="1">
-              <a:defRPr sz="1800" kern="1200">
-                <a:solidFill>
-                  <a:schemeClr val="tx1"/>
-                </a:solidFill>
-                <a:latin typeface="+mn-lt"/>
-                <a:ea typeface="+mn-ea"/>
-                <a:cs typeface="+mn-cs"/>
-              </a:defRPr>
-            </a:lvl2pPr>
-            <a:lvl3pPr marL="914400" algn="l" defTabSz="914400" rtl="0" eaLnBrk="1" latinLnBrk="0" hangingPunct="1">
-              <a:defRPr sz="1800" kern="1200">
-                <a:solidFill>
-                  <a:schemeClr val="tx1"/>
-                </a:solidFill>
-                <a:latin typeface="+mn-lt"/>
-                <a:ea typeface="+mn-ea"/>
-                <a:cs typeface="+mn-cs"/>
-              </a:defRPr>
-            </a:lvl3pPr>
-            <a:lvl4pPr marL="1371600" algn="l" defTabSz="914400" rtl="0" eaLnBrk="1" latinLnBrk="0" hangingPunct="1">
-              <a:defRPr sz="1800" kern="1200">
-                <a:solidFill>
-                  <a:schemeClr val="tx1"/>
-                </a:solidFill>
-                <a:latin typeface="+mn-lt"/>
-                <a:ea typeface="+mn-ea"/>
-                <a:cs typeface="+mn-cs"/>
-              </a:defRPr>
-            </a:lvl4pPr>
-            <a:lvl5pPr marL="1828800" algn="l" defTabSz="914400" rtl="0" eaLnBrk="1" latinLnBrk="0" hangingPunct="1">
-              <a:defRPr sz="1800" kern="1200">
-                <a:solidFill>
-                  <a:schemeClr val="tx1"/>
-                </a:solidFill>
-                <a:latin typeface="+mn-lt"/>
-                <a:ea typeface="+mn-ea"/>
-                <a:cs typeface="+mn-cs"/>
-              </a:defRPr>
-            </a:lvl5pPr>
-            <a:lvl6pPr marL="2286000" algn="l" defTabSz="914400" rtl="0" eaLnBrk="1" latinLnBrk="0" hangingPunct="1">
-              <a:defRPr sz="1800" kern="1200">
-                <a:solidFill>
-                  <a:schemeClr val="tx1"/>
-                </a:solidFill>
-                <a:latin typeface="+mn-lt"/>
-                <a:ea typeface="+mn-ea"/>
-                <a:cs typeface="+mn-cs"/>
-              </a:defRPr>
-            </a:lvl6pPr>
-            <a:lvl7pPr marL="2743200" algn="l" defTabSz="914400" rtl="0" eaLnBrk="1" latinLnBrk="0" hangingPunct="1">
-              <a:defRPr sz="1800" kern="1200">
-                <a:solidFill>
-                  <a:schemeClr val="tx1"/>
-                </a:solidFill>
-                <a:latin typeface="+mn-lt"/>
-                <a:ea typeface="+mn-ea"/>
-                <a:cs typeface="+mn-cs"/>
-              </a:defRPr>
-            </a:lvl7pPr>
-            <a:lvl8pPr marL="3200400" algn="l" defTabSz="914400" rtl="0" eaLnBrk="1" latinLnBrk="0" hangingPunct="1">
-              <a:defRPr sz="1800" kern="1200">
-                <a:solidFill>
-                  <a:schemeClr val="tx1"/>
-                </a:solidFill>
-                <a:latin typeface="+mn-lt"/>
-                <a:ea typeface="+mn-ea"/>
-                <a:cs typeface="+mn-cs"/>
-              </a:defRPr>
-            </a:lvl8pPr>
-            <a:lvl9pPr marL="3657600" algn="l" defTabSz="914400" rtl="0" eaLnBrk="1" latinLnBrk="0" hangingPunct="1">
-              <a:defRPr sz="1800" kern="1200">
-                <a:solidFill>
-                  <a:schemeClr val="tx1"/>
-                </a:solidFill>
-                <a:latin typeface="+mn-lt"/>
-                <a:ea typeface="+mn-ea"/>
-                <a:cs typeface="+mn-cs"/>
-              </a:defRPr>
-            </a:lvl9pPr>
-          </a:lstStyle>
-          <a:p>
-            <a:r>
-              <a:rPr lang="en-US" sz="900">
-                <a:solidFill>
-                  <a:srgbClr val="7F7F7F"/>
-                </a:solidFill>
-              </a:rPr>
-              <a:t>Copyright © 2015 Accenture  All rights reserved.</a:t>
-            </a:r>
-          </a:p>
-        </p:txBody>
-      </p:sp>
     </p:spTree>
     <p:extLst>
       <p:ext uri="{BB962C8B-B14F-4D97-AF65-F5344CB8AC3E}">
@@ -18558,7 +18432,7 @@
           <p:cNvPr id="11" name="Picture 10">
             <a:extLst>
               <a:ext uri="{FF2B5EF4-FFF2-40B4-BE49-F238E27FC236}">
-                <a16:creationId xmlns:a16="http://schemas.microsoft.com/office/drawing/2014/main" xmlns="" id="{A5A25781-6D3D-4854-A728-80AA9A3FC638}"/>
+                <a16:creationId xmlns="" xmlns:a16="http://schemas.microsoft.com/office/drawing/2014/main" id="{A5A25781-6D3D-4854-A728-80AA9A3FC638}"/>
               </a:ext>
             </a:extLst>
           </p:cNvPr>
@@ -18882,7 +18756,7 @@
           <p:cNvPr id="12" name="Rectangle 11">
             <a:extLst>
               <a:ext uri="{FF2B5EF4-FFF2-40B4-BE49-F238E27FC236}">
-                <a16:creationId xmlns:a16="http://schemas.microsoft.com/office/drawing/2014/main" xmlns="" id="{DE4863BF-802A-4F4C-9745-19382B1DEB50}"/>
+                <a16:creationId xmlns="" xmlns:a16="http://schemas.microsoft.com/office/drawing/2014/main" id="{DE4863BF-802A-4F4C-9745-19382B1DEB50}"/>
               </a:ext>
             </a:extLst>
           </p:cNvPr>
@@ -18928,7 +18802,7 @@
           <p:cNvPr id="13" name="Rectangle 12">
             <a:extLst>
               <a:ext uri="{FF2B5EF4-FFF2-40B4-BE49-F238E27FC236}">
-                <a16:creationId xmlns:a16="http://schemas.microsoft.com/office/drawing/2014/main" xmlns="" id="{D8ED1B02-801B-4E55-A5C8-1FC453DDE7FF}"/>
+                <a16:creationId xmlns="" xmlns:a16="http://schemas.microsoft.com/office/drawing/2014/main" id="{D8ED1B02-801B-4E55-A5C8-1FC453DDE7FF}"/>
               </a:ext>
             </a:extLst>
           </p:cNvPr>
@@ -18986,7 +18860,7 @@
           <p:cNvPr id="4" name="Picture 3">
             <a:extLst>
               <a:ext uri="{FF2B5EF4-FFF2-40B4-BE49-F238E27FC236}">
-                <a16:creationId xmlns:a16="http://schemas.microsoft.com/office/drawing/2014/main" xmlns="" id="{DF91B20A-779E-4E97-87A3-6F7CD334B4C9}"/>
+                <a16:creationId xmlns="" xmlns:a16="http://schemas.microsoft.com/office/drawing/2014/main" id="{DF91B20A-779E-4E97-87A3-6F7CD334B4C9}"/>
               </a:ext>
             </a:extLst>
           </p:cNvPr>
@@ -19343,7 +19217,7 @@
           <p:cNvPr id="5" name="TextBox 4">
             <a:extLst>
               <a:ext uri="{FF2B5EF4-FFF2-40B4-BE49-F238E27FC236}">
-                <a16:creationId xmlns:a16="http://schemas.microsoft.com/office/drawing/2014/main" xmlns="" id="{A4B4B78C-6745-4DBF-9A22-CA54F6041B41}"/>
+                <a16:creationId xmlns="" xmlns:a16="http://schemas.microsoft.com/office/drawing/2014/main" id="{A4B4B78C-6745-4DBF-9A22-CA54F6041B41}"/>
               </a:ext>
             </a:extLst>
           </p:cNvPr>
@@ -19396,7 +19270,7 @@
           <p:cNvPr id="6" name="Picture 5">
             <a:extLst>
               <a:ext uri="{FF2B5EF4-FFF2-40B4-BE49-F238E27FC236}">
-                <a16:creationId xmlns:a16="http://schemas.microsoft.com/office/drawing/2014/main" xmlns="" id="{5EB47215-2176-422C-9253-26BE1EBF9F49}"/>
+                <a16:creationId xmlns="" xmlns:a16="http://schemas.microsoft.com/office/drawing/2014/main" id="{5EB47215-2176-422C-9253-26BE1EBF9F49}"/>
               </a:ext>
             </a:extLst>
           </p:cNvPr>
@@ -21903,14 +21777,14 @@
                 <a:gridCol w="2027996">
                   <a:extLst>
                     <a:ext uri="{9D8B030D-6E8A-4147-A177-3AD203B41FA5}">
-                      <a16:colId xmlns:a16="http://schemas.microsoft.com/office/drawing/2014/main" xmlns="" val="2357327223"/>
+                      <a16:colId xmlns="" xmlns:a16="http://schemas.microsoft.com/office/drawing/2014/main" val="2357327223"/>
                     </a:ext>
                   </a:extLst>
                 </a:gridCol>
                 <a:gridCol w="6361648">
                   <a:extLst>
                     <a:ext uri="{9D8B030D-6E8A-4147-A177-3AD203B41FA5}">
-                      <a16:colId xmlns:a16="http://schemas.microsoft.com/office/drawing/2014/main" xmlns="" val="3407994745"/>
+                      <a16:colId xmlns="" xmlns:a16="http://schemas.microsoft.com/office/drawing/2014/main" val="3407994745"/>
                     </a:ext>
                   </a:extLst>
                 </a:gridCol>
@@ -21956,7 +21830,7 @@
                 </a:tc>
                 <a:extLst>
                   <a:ext uri="{0D108BD9-81ED-4DB2-BD59-A6C34878D82A}">
-                    <a16:rowId xmlns:a16="http://schemas.microsoft.com/office/drawing/2014/main" xmlns="" val="1754130930"/>
+                    <a16:rowId xmlns="" xmlns:a16="http://schemas.microsoft.com/office/drawing/2014/main" val="1754130930"/>
                   </a:ext>
                 </a:extLst>
               </a:tr>
@@ -22010,7 +21884,7 @@
                 </a:tc>
                 <a:extLst>
                   <a:ext uri="{0D108BD9-81ED-4DB2-BD59-A6C34878D82A}">
-                    <a16:rowId xmlns:a16="http://schemas.microsoft.com/office/drawing/2014/main" xmlns="" val="2223836021"/>
+                    <a16:rowId xmlns="" xmlns:a16="http://schemas.microsoft.com/office/drawing/2014/main" val="2223836021"/>
                   </a:ext>
                 </a:extLst>
               </a:tr>
@@ -22052,7 +21926,7 @@
                 </a:tc>
                 <a:extLst>
                   <a:ext uri="{0D108BD9-81ED-4DB2-BD59-A6C34878D82A}">
-                    <a16:rowId xmlns:a16="http://schemas.microsoft.com/office/drawing/2014/main" xmlns="" val="1031035661"/>
+                    <a16:rowId xmlns="" xmlns:a16="http://schemas.microsoft.com/office/drawing/2014/main" val="1031035661"/>
                   </a:ext>
                 </a:extLst>
               </a:tr>
@@ -22106,7 +21980,7 @@
                 </a:tc>
                 <a:extLst>
                   <a:ext uri="{0D108BD9-81ED-4DB2-BD59-A6C34878D82A}">
-                    <a16:rowId xmlns:a16="http://schemas.microsoft.com/office/drawing/2014/main" xmlns="" val="41666311"/>
+                    <a16:rowId xmlns="" xmlns:a16="http://schemas.microsoft.com/office/drawing/2014/main" val="41666311"/>
                   </a:ext>
                 </a:extLst>
               </a:tr>
@@ -22148,7 +22022,7 @@
                 </a:tc>
                 <a:extLst>
                   <a:ext uri="{0D108BD9-81ED-4DB2-BD59-A6C34878D82A}">
-                    <a16:rowId xmlns:a16="http://schemas.microsoft.com/office/drawing/2014/main" xmlns="" val="3064916287"/>
+                    <a16:rowId xmlns="" xmlns:a16="http://schemas.microsoft.com/office/drawing/2014/main" val="3064916287"/>
                   </a:ext>
                 </a:extLst>
               </a:tr>
@@ -27856,7 +27730,7 @@
           <p:cNvPr id="6" name="Picture 5">
             <a:extLst>
               <a:ext uri="{FF2B5EF4-FFF2-40B4-BE49-F238E27FC236}">
-                <a16:creationId xmlns:a16="http://schemas.microsoft.com/office/drawing/2014/main" xmlns="" id="{80821A5A-A4C1-4D33-B73A-47F77ADD66E6}"/>
+                <a16:creationId xmlns="" xmlns:a16="http://schemas.microsoft.com/office/drawing/2014/main" id="{80821A5A-A4C1-4D33-B73A-47F77ADD66E6}"/>
               </a:ext>
             </a:extLst>
           </p:cNvPr>
@@ -27886,7 +27760,7 @@
           <p:cNvPr id="7" name="Rectangle 6">
             <a:extLst>
               <a:ext uri="{FF2B5EF4-FFF2-40B4-BE49-F238E27FC236}">
-                <a16:creationId xmlns:a16="http://schemas.microsoft.com/office/drawing/2014/main" xmlns="" id="{B7BCE546-E8A6-4A7A-B2A4-AF1BB4007A19}"/>
+                <a16:creationId xmlns="" xmlns:a16="http://schemas.microsoft.com/office/drawing/2014/main" id="{B7BCE546-E8A6-4A7A-B2A4-AF1BB4007A19}"/>
               </a:ext>
             </a:extLst>
           </p:cNvPr>
@@ -27932,7 +27806,7 @@
           <p:cNvPr id="8" name="Rectangle 7">
             <a:extLst>
               <a:ext uri="{FF2B5EF4-FFF2-40B4-BE49-F238E27FC236}">
-                <a16:creationId xmlns:a16="http://schemas.microsoft.com/office/drawing/2014/main" xmlns="" id="{9678FE28-FCDF-43E3-A7D1-D31F33EC6DD1}"/>
+                <a16:creationId xmlns="" xmlns:a16="http://schemas.microsoft.com/office/drawing/2014/main" id="{9678FE28-FCDF-43E3-A7D1-D31F33EC6DD1}"/>
               </a:ext>
             </a:extLst>
           </p:cNvPr>
@@ -27978,7 +27852,7 @@
           <p:cNvPr id="10" name="Straight Arrow Connector 9">
             <a:extLst>
               <a:ext uri="{FF2B5EF4-FFF2-40B4-BE49-F238E27FC236}">
-                <a16:creationId xmlns:a16="http://schemas.microsoft.com/office/drawing/2014/main" xmlns="" id="{5FAC1132-6F1F-48E1-94C9-A0BB3C4A8A72}"/>
+                <a16:creationId xmlns="" xmlns:a16="http://schemas.microsoft.com/office/drawing/2014/main" id="{5FAC1132-6F1F-48E1-94C9-A0BB3C4A8A72}"/>
               </a:ext>
             </a:extLst>
           </p:cNvPr>
@@ -28022,7 +27896,7 @@
           <p:cNvPr id="14" name="Straight Arrow Connector 13">
             <a:extLst>
               <a:ext uri="{FF2B5EF4-FFF2-40B4-BE49-F238E27FC236}">
-                <a16:creationId xmlns:a16="http://schemas.microsoft.com/office/drawing/2014/main" xmlns="" id="{CC61C076-DA89-49E9-A2FD-F2405721737C}"/>
+                <a16:creationId xmlns="" xmlns:a16="http://schemas.microsoft.com/office/drawing/2014/main" id="{CC61C076-DA89-49E9-A2FD-F2405721737C}"/>
               </a:ext>
             </a:extLst>
           </p:cNvPr>
@@ -28065,7 +27939,7 @@
           <p:cNvPr id="15" name="TextBox 14">
             <a:extLst>
               <a:ext uri="{FF2B5EF4-FFF2-40B4-BE49-F238E27FC236}">
-                <a16:creationId xmlns:a16="http://schemas.microsoft.com/office/drawing/2014/main" xmlns="" id="{46D40898-F18E-4592-97A2-9E0263E69C41}"/>
+                <a16:creationId xmlns="" xmlns:a16="http://schemas.microsoft.com/office/drawing/2014/main" id="{46D40898-F18E-4592-97A2-9E0263E69C41}"/>
               </a:ext>
             </a:extLst>
           </p:cNvPr>
@@ -28100,7 +27974,7 @@
           <p:cNvPr id="16" name="Straight Arrow Connector 15">
             <a:extLst>
               <a:ext uri="{FF2B5EF4-FFF2-40B4-BE49-F238E27FC236}">
-                <a16:creationId xmlns:a16="http://schemas.microsoft.com/office/drawing/2014/main" xmlns="" id="{131C3A9A-26EA-4696-B9CD-BCEE4C6FD9A0}"/>
+                <a16:creationId xmlns="" xmlns:a16="http://schemas.microsoft.com/office/drawing/2014/main" id="{131C3A9A-26EA-4696-B9CD-BCEE4C6FD9A0}"/>
               </a:ext>
             </a:extLst>
           </p:cNvPr>
@@ -28142,7 +28016,7 @@
           <p:cNvPr id="20" name="TextBox 19">
             <a:extLst>
               <a:ext uri="{FF2B5EF4-FFF2-40B4-BE49-F238E27FC236}">
-                <a16:creationId xmlns:a16="http://schemas.microsoft.com/office/drawing/2014/main" xmlns="" id="{A4AD4F67-07B4-4EB0-AA99-9086EDA646AE}"/>
+                <a16:creationId xmlns="" xmlns:a16="http://schemas.microsoft.com/office/drawing/2014/main" id="{A4AD4F67-07B4-4EB0-AA99-9086EDA646AE}"/>
               </a:ext>
             </a:extLst>
           </p:cNvPr>
@@ -28213,7 +28087,7 @@
           <p:cNvPr id="2" name="Title 1">
             <a:extLst>
               <a:ext uri="{FF2B5EF4-FFF2-40B4-BE49-F238E27FC236}">
-                <a16:creationId xmlns:a16="http://schemas.microsoft.com/office/drawing/2014/main" xmlns="" id="{3CE0CA2D-0F14-44E7-8560-387CA36E4DA6}"/>
+                <a16:creationId xmlns="" xmlns:a16="http://schemas.microsoft.com/office/drawing/2014/main" id="{3CE0CA2D-0F14-44E7-8560-387CA36E4DA6}"/>
               </a:ext>
             </a:extLst>
           </p:cNvPr>
@@ -28241,7 +28115,7 @@
           <p:cNvPr id="3" name="Text Placeholder 2">
             <a:extLst>
               <a:ext uri="{FF2B5EF4-FFF2-40B4-BE49-F238E27FC236}">
-                <a16:creationId xmlns:a16="http://schemas.microsoft.com/office/drawing/2014/main" xmlns="" id="{EAB3FB65-5867-41A4-9764-483038D233C4}"/>
+                <a16:creationId xmlns="" xmlns:a16="http://schemas.microsoft.com/office/drawing/2014/main" id="{EAB3FB65-5867-41A4-9764-483038D233C4}"/>
               </a:ext>
             </a:extLst>
           </p:cNvPr>
@@ -28321,7 +28195,7 @@
           <p:cNvPr id="2" name="Title 1">
             <a:extLst>
               <a:ext uri="{FF2B5EF4-FFF2-40B4-BE49-F238E27FC236}">
-                <a16:creationId xmlns:a16="http://schemas.microsoft.com/office/drawing/2014/main" xmlns="" id="{3CE0CA2D-0F14-44E7-8560-387CA36E4DA6}"/>
+                <a16:creationId xmlns="" xmlns:a16="http://schemas.microsoft.com/office/drawing/2014/main" id="{3CE0CA2D-0F14-44E7-8560-387CA36E4DA6}"/>
               </a:ext>
             </a:extLst>
           </p:cNvPr>
@@ -28349,7 +28223,7 @@
           <p:cNvPr id="3" name="Text Placeholder 2">
             <a:extLst>
               <a:ext uri="{FF2B5EF4-FFF2-40B4-BE49-F238E27FC236}">
-                <a16:creationId xmlns:a16="http://schemas.microsoft.com/office/drawing/2014/main" xmlns="" id="{EAB3FB65-5867-41A4-9764-483038D233C4}"/>
+                <a16:creationId xmlns="" xmlns:a16="http://schemas.microsoft.com/office/drawing/2014/main" id="{EAB3FB65-5867-41A4-9764-483038D233C4}"/>
               </a:ext>
             </a:extLst>
           </p:cNvPr>
@@ -28472,7 +28346,7 @@
           <p:cNvPr id="6" name="Picture 5">
             <a:extLst>
               <a:ext uri="{FF2B5EF4-FFF2-40B4-BE49-F238E27FC236}">
-                <a16:creationId xmlns:a16="http://schemas.microsoft.com/office/drawing/2014/main" xmlns="" id="{8FDFE005-38BC-48D9-BFD9-F1C04D7A6FFF}"/>
+                <a16:creationId xmlns="" xmlns:a16="http://schemas.microsoft.com/office/drawing/2014/main" id="{8FDFE005-38BC-48D9-BFD9-F1C04D7A6FFF}"/>
               </a:ext>
             </a:extLst>
           </p:cNvPr>
@@ -28502,7 +28376,7 @@
           <p:cNvPr id="7" name="Rectangle 6">
             <a:extLst>
               <a:ext uri="{FF2B5EF4-FFF2-40B4-BE49-F238E27FC236}">
-                <a16:creationId xmlns:a16="http://schemas.microsoft.com/office/drawing/2014/main" xmlns="" id="{2D7485BE-5980-4441-BD97-27D9BCF5D4D1}"/>
+                <a16:creationId xmlns="" xmlns:a16="http://schemas.microsoft.com/office/drawing/2014/main" id="{2D7485BE-5980-4441-BD97-27D9BCF5D4D1}"/>
               </a:ext>
             </a:extLst>
           </p:cNvPr>
@@ -28578,7 +28452,7 @@
           <p:cNvPr id="2" name="Title 1">
             <a:extLst>
               <a:ext uri="{FF2B5EF4-FFF2-40B4-BE49-F238E27FC236}">
-                <a16:creationId xmlns:a16="http://schemas.microsoft.com/office/drawing/2014/main" xmlns="" id="{90066ACC-66E2-47E8-BB27-049E9B8D7A78}"/>
+                <a16:creationId xmlns="" xmlns:a16="http://schemas.microsoft.com/office/drawing/2014/main" id="{90066ACC-66E2-47E8-BB27-049E9B8D7A78}"/>
               </a:ext>
             </a:extLst>
           </p:cNvPr>
@@ -28606,7 +28480,7 @@
           <p:cNvPr id="3" name="Text Placeholder 2">
             <a:extLst>
               <a:ext uri="{FF2B5EF4-FFF2-40B4-BE49-F238E27FC236}">
-                <a16:creationId xmlns:a16="http://schemas.microsoft.com/office/drawing/2014/main" xmlns="" id="{96FD4C6C-49AC-4097-8E9E-7CBF39E2A316}"/>
+                <a16:creationId xmlns="" xmlns:a16="http://schemas.microsoft.com/office/drawing/2014/main" id="{96FD4C6C-49AC-4097-8E9E-7CBF39E2A316}"/>
               </a:ext>
             </a:extLst>
           </p:cNvPr>
@@ -28634,7 +28508,7 @@
           <p:cNvPr id="4" name="Rectangle 3">
             <a:extLst>
               <a:ext uri="{FF2B5EF4-FFF2-40B4-BE49-F238E27FC236}">
-                <a16:creationId xmlns:a16="http://schemas.microsoft.com/office/drawing/2014/main" xmlns="" id="{43AED02A-FD46-4ADE-B211-31E9F1E5C5EB}"/>
+                <a16:creationId xmlns="" xmlns:a16="http://schemas.microsoft.com/office/drawing/2014/main" id="{43AED02A-FD46-4ADE-B211-31E9F1E5C5EB}"/>
               </a:ext>
             </a:extLst>
           </p:cNvPr>
@@ -28695,7 +28569,7 @@
           <p:cNvPr id="5" name="Picture 4">
             <a:extLst>
               <a:ext uri="{FF2B5EF4-FFF2-40B4-BE49-F238E27FC236}">
-                <a16:creationId xmlns:a16="http://schemas.microsoft.com/office/drawing/2014/main" xmlns="" id="{F0EC9875-49A9-48F2-9FA9-338A8F020F59}"/>
+                <a16:creationId xmlns="" xmlns:a16="http://schemas.microsoft.com/office/drawing/2014/main" id="{F0EC9875-49A9-48F2-9FA9-338A8F020F59}"/>
               </a:ext>
             </a:extLst>
           </p:cNvPr>
@@ -28725,7 +28599,7 @@
           <p:cNvPr id="6" name="Rectangle 5">
             <a:extLst>
               <a:ext uri="{FF2B5EF4-FFF2-40B4-BE49-F238E27FC236}">
-                <a16:creationId xmlns:a16="http://schemas.microsoft.com/office/drawing/2014/main" xmlns="" id="{A69FE2E2-294C-40DC-83B6-05E042ED17AD}"/>
+                <a16:creationId xmlns="" xmlns:a16="http://schemas.microsoft.com/office/drawing/2014/main" id="{A69FE2E2-294C-40DC-83B6-05E042ED17AD}"/>
               </a:ext>
             </a:extLst>
           </p:cNvPr>
